--- a/Лекции/ОСА/ОСА 1 лекция.pptx
+++ b/Лекции/ОСА/ОСА 1 лекция.pptx
@@ -4,6 +4,9 @@
   <p:sldMasterIdLst>
     <p:sldMasterId id="2147483648" r:id="rId1"/>
   </p:sldMasterIdLst>
+  <p:notesMasterIdLst>
+    <p:notesMasterId r:id="rId18"/>
+  </p:notesMasterIdLst>
   <p:sldIdLst>
     <p:sldId id="256" r:id="rId2"/>
     <p:sldId id="258" r:id="rId3"/>
@@ -138,6 +141,440 @@
 </p:presentation>
 </file>
 
+<file path=ppt/notesMasters/notesMaster1.xml><?xml version="1.0" encoding="utf-8"?>
+<p:notesMaster xmlns:a="http://schemas.openxmlformats.org/drawingml/2006/main" xmlns:r="http://schemas.openxmlformats.org/officeDocument/2006/relationships" xmlns:p="http://schemas.openxmlformats.org/presentationml/2006/main">
+  <p:cSld>
+    <p:bg>
+      <p:bgRef idx="1001">
+        <a:schemeClr val="bg1"/>
+      </p:bgRef>
+    </p:bg>
+    <p:spTree>
+      <p:nvGrpSpPr>
+        <p:cNvPr id="1" name=""/>
+        <p:cNvGrpSpPr/>
+        <p:nvPr/>
+      </p:nvGrpSpPr>
+      <p:grpSpPr>
+        <a:xfrm>
+          <a:off x="0" y="0"/>
+          <a:ext cx="0" cy="0"/>
+          <a:chOff x="0" y="0"/>
+          <a:chExt cx="0" cy="0"/>
+        </a:xfrm>
+      </p:grpSpPr>
+      <p:sp>
+        <p:nvSpPr>
+          <p:cNvPr id="2" name="Верхний колонтитул 1"/>
+          <p:cNvSpPr>
+            <a:spLocks noGrp="1"/>
+          </p:cNvSpPr>
+          <p:nvPr>
+            <p:ph type="hdr" sz="quarter"/>
+          </p:nvPr>
+        </p:nvSpPr>
+        <p:spPr>
+          <a:xfrm>
+            <a:off x="0" y="0"/>
+            <a:ext cx="2971800" cy="458788"/>
+          </a:xfrm>
+          <a:prstGeom prst="rect">
+            <a:avLst/>
+          </a:prstGeom>
+        </p:spPr>
+        <p:txBody>
+          <a:bodyPr vert="horz" lIns="91440" tIns="45720" rIns="91440" bIns="45720" rtlCol="0"/>
+          <a:lstStyle>
+            <a:lvl1pPr algn="l">
+              <a:defRPr sz="1200"/>
+            </a:lvl1pPr>
+          </a:lstStyle>
+          <a:p>
+            <a:endParaRPr lang="ru-RU"/>
+          </a:p>
+        </p:txBody>
+      </p:sp>
+      <p:sp>
+        <p:nvSpPr>
+          <p:cNvPr id="3" name="Дата 2"/>
+          <p:cNvSpPr>
+            <a:spLocks noGrp="1"/>
+          </p:cNvSpPr>
+          <p:nvPr>
+            <p:ph type="dt" idx="1"/>
+          </p:nvPr>
+        </p:nvSpPr>
+        <p:spPr>
+          <a:xfrm>
+            <a:off x="3884613" y="0"/>
+            <a:ext cx="2971800" cy="458788"/>
+          </a:xfrm>
+          <a:prstGeom prst="rect">
+            <a:avLst/>
+          </a:prstGeom>
+        </p:spPr>
+        <p:txBody>
+          <a:bodyPr vert="horz" lIns="91440" tIns="45720" rIns="91440" bIns="45720" rtlCol="0"/>
+          <a:lstStyle>
+            <a:lvl1pPr algn="r">
+              <a:defRPr sz="1200"/>
+            </a:lvl1pPr>
+          </a:lstStyle>
+          <a:p>
+            <a:fld id="{F7BD1AAA-B651-42E3-A116-B97C505D01B5}" type="datetimeFigureOut">
+              <a:rPr lang="ru-RU" smtClean="0"/>
+              <a:t>18.01.2024</a:t>
+            </a:fld>
+            <a:endParaRPr lang="ru-RU"/>
+          </a:p>
+        </p:txBody>
+      </p:sp>
+      <p:sp>
+        <p:nvSpPr>
+          <p:cNvPr id="4" name="Образ слайда 3"/>
+          <p:cNvSpPr>
+            <a:spLocks noGrp="1" noRot="1" noChangeAspect="1"/>
+          </p:cNvSpPr>
+          <p:nvPr>
+            <p:ph type="sldImg" idx="2"/>
+          </p:nvPr>
+        </p:nvSpPr>
+        <p:spPr>
+          <a:xfrm>
+            <a:off x="685800" y="1143000"/>
+            <a:ext cx="5486400" cy="3086100"/>
+          </a:xfrm>
+          <a:prstGeom prst="rect">
+            <a:avLst/>
+          </a:prstGeom>
+          <a:noFill/>
+          <a:ln w="12700">
+            <a:solidFill>
+              <a:prstClr val="black"/>
+            </a:solidFill>
+          </a:ln>
+        </p:spPr>
+        <p:txBody>
+          <a:bodyPr vert="horz" lIns="91440" tIns="45720" rIns="91440" bIns="45720" rtlCol="0" anchor="ctr"/>
+          <a:lstStyle/>
+          <a:p>
+            <a:endParaRPr lang="ru-RU"/>
+          </a:p>
+        </p:txBody>
+      </p:sp>
+      <p:sp>
+        <p:nvSpPr>
+          <p:cNvPr id="5" name="Заметки 4"/>
+          <p:cNvSpPr>
+            <a:spLocks noGrp="1"/>
+          </p:cNvSpPr>
+          <p:nvPr>
+            <p:ph type="body" sz="quarter" idx="3"/>
+          </p:nvPr>
+        </p:nvSpPr>
+        <p:spPr>
+          <a:xfrm>
+            <a:off x="685800" y="4400550"/>
+            <a:ext cx="5486400" cy="3600450"/>
+          </a:xfrm>
+          <a:prstGeom prst="rect">
+            <a:avLst/>
+          </a:prstGeom>
+        </p:spPr>
+        <p:txBody>
+          <a:bodyPr vert="horz" lIns="91440" tIns="45720" rIns="91440" bIns="45720" rtlCol="0"/>
+          <a:lstStyle/>
+          <a:p>
+            <a:pPr lvl="0"/>
+            <a:r>
+              <a:rPr lang="ru-RU" smtClean="0"/>
+              <a:t>Образец текста</a:t>
+            </a:r>
+          </a:p>
+          <a:p>
+            <a:pPr lvl="1"/>
+            <a:r>
+              <a:rPr lang="ru-RU" smtClean="0"/>
+              <a:t>Второй уровень</a:t>
+            </a:r>
+          </a:p>
+          <a:p>
+            <a:pPr lvl="2"/>
+            <a:r>
+              <a:rPr lang="ru-RU" smtClean="0"/>
+              <a:t>Третий уровень</a:t>
+            </a:r>
+          </a:p>
+          <a:p>
+            <a:pPr lvl="3"/>
+            <a:r>
+              <a:rPr lang="ru-RU" smtClean="0"/>
+              <a:t>Четвертый уровень</a:t>
+            </a:r>
+          </a:p>
+          <a:p>
+            <a:pPr lvl="4"/>
+            <a:r>
+              <a:rPr lang="ru-RU" smtClean="0"/>
+              <a:t>Пятый уровень</a:t>
+            </a:r>
+            <a:endParaRPr lang="ru-RU"/>
+          </a:p>
+        </p:txBody>
+      </p:sp>
+      <p:sp>
+        <p:nvSpPr>
+          <p:cNvPr id="6" name="Нижний колонтитул 5"/>
+          <p:cNvSpPr>
+            <a:spLocks noGrp="1"/>
+          </p:cNvSpPr>
+          <p:nvPr>
+            <p:ph type="ftr" sz="quarter" idx="4"/>
+          </p:nvPr>
+        </p:nvSpPr>
+        <p:spPr>
+          <a:xfrm>
+            <a:off x="0" y="8685213"/>
+            <a:ext cx="2971800" cy="458787"/>
+          </a:xfrm>
+          <a:prstGeom prst="rect">
+            <a:avLst/>
+          </a:prstGeom>
+        </p:spPr>
+        <p:txBody>
+          <a:bodyPr vert="horz" lIns="91440" tIns="45720" rIns="91440" bIns="45720" rtlCol="0" anchor="b"/>
+          <a:lstStyle>
+            <a:lvl1pPr algn="l">
+              <a:defRPr sz="1200"/>
+            </a:lvl1pPr>
+          </a:lstStyle>
+          <a:p>
+            <a:endParaRPr lang="ru-RU"/>
+          </a:p>
+        </p:txBody>
+      </p:sp>
+      <p:sp>
+        <p:nvSpPr>
+          <p:cNvPr id="7" name="Номер слайда 6"/>
+          <p:cNvSpPr>
+            <a:spLocks noGrp="1"/>
+          </p:cNvSpPr>
+          <p:nvPr>
+            <p:ph type="sldNum" sz="quarter" idx="5"/>
+          </p:nvPr>
+        </p:nvSpPr>
+        <p:spPr>
+          <a:xfrm>
+            <a:off x="3884613" y="8685213"/>
+            <a:ext cx="2971800" cy="458787"/>
+          </a:xfrm>
+          <a:prstGeom prst="rect">
+            <a:avLst/>
+          </a:prstGeom>
+        </p:spPr>
+        <p:txBody>
+          <a:bodyPr vert="horz" lIns="91440" tIns="45720" rIns="91440" bIns="45720" rtlCol="0" anchor="b"/>
+          <a:lstStyle>
+            <a:lvl1pPr algn="r">
+              <a:defRPr sz="1200"/>
+            </a:lvl1pPr>
+          </a:lstStyle>
+          <a:p>
+            <a:fld id="{D6C13B46-4F84-4C42-8B6C-CB969F1998F7}" type="slidenum">
+              <a:rPr lang="ru-RU" smtClean="0"/>
+              <a:t>‹#›</a:t>
+            </a:fld>
+            <a:endParaRPr lang="ru-RU"/>
+          </a:p>
+        </p:txBody>
+      </p:sp>
+    </p:spTree>
+    <p:extLst>
+      <p:ext uri="{BB962C8B-B14F-4D97-AF65-F5344CB8AC3E}">
+        <p14:creationId xmlns:p14="http://schemas.microsoft.com/office/powerpoint/2010/main" val="528558136"/>
+      </p:ext>
+    </p:extLst>
+  </p:cSld>
+  <p:clrMap bg1="lt1" tx1="dk1" bg2="lt2" tx2="dk2" accent1="accent1" accent2="accent2" accent3="accent3" accent4="accent4" accent5="accent5" accent6="accent6" hlink="hlink" folHlink="folHlink"/>
+  <p:notesStyle>
+    <a:lvl1pPr marL="0" algn="l" defTabSz="914400" rtl="0" eaLnBrk="1" latinLnBrk="0" hangingPunct="1">
+      <a:defRPr sz="1200" kern="1200">
+        <a:solidFill>
+          <a:schemeClr val="tx1"/>
+        </a:solidFill>
+        <a:latin typeface="+mn-lt"/>
+        <a:ea typeface="+mn-ea"/>
+        <a:cs typeface="+mn-cs"/>
+      </a:defRPr>
+    </a:lvl1pPr>
+    <a:lvl2pPr marL="457200" algn="l" defTabSz="914400" rtl="0" eaLnBrk="1" latinLnBrk="0" hangingPunct="1">
+      <a:defRPr sz="1200" kern="1200">
+        <a:solidFill>
+          <a:schemeClr val="tx1"/>
+        </a:solidFill>
+        <a:latin typeface="+mn-lt"/>
+        <a:ea typeface="+mn-ea"/>
+        <a:cs typeface="+mn-cs"/>
+      </a:defRPr>
+    </a:lvl2pPr>
+    <a:lvl3pPr marL="914400" algn="l" defTabSz="914400" rtl="0" eaLnBrk="1" latinLnBrk="0" hangingPunct="1">
+      <a:defRPr sz="1200" kern="1200">
+        <a:solidFill>
+          <a:schemeClr val="tx1"/>
+        </a:solidFill>
+        <a:latin typeface="+mn-lt"/>
+        <a:ea typeface="+mn-ea"/>
+        <a:cs typeface="+mn-cs"/>
+      </a:defRPr>
+    </a:lvl3pPr>
+    <a:lvl4pPr marL="1371600" algn="l" defTabSz="914400" rtl="0" eaLnBrk="1" latinLnBrk="0" hangingPunct="1">
+      <a:defRPr sz="1200" kern="1200">
+        <a:solidFill>
+          <a:schemeClr val="tx1"/>
+        </a:solidFill>
+        <a:latin typeface="+mn-lt"/>
+        <a:ea typeface="+mn-ea"/>
+        <a:cs typeface="+mn-cs"/>
+      </a:defRPr>
+    </a:lvl4pPr>
+    <a:lvl5pPr marL="1828800" algn="l" defTabSz="914400" rtl="0" eaLnBrk="1" latinLnBrk="0" hangingPunct="1">
+      <a:defRPr sz="1200" kern="1200">
+        <a:solidFill>
+          <a:schemeClr val="tx1"/>
+        </a:solidFill>
+        <a:latin typeface="+mn-lt"/>
+        <a:ea typeface="+mn-ea"/>
+        <a:cs typeface="+mn-cs"/>
+      </a:defRPr>
+    </a:lvl5pPr>
+    <a:lvl6pPr marL="2286000" algn="l" defTabSz="914400" rtl="0" eaLnBrk="1" latinLnBrk="0" hangingPunct="1">
+      <a:defRPr sz="1200" kern="1200">
+        <a:solidFill>
+          <a:schemeClr val="tx1"/>
+        </a:solidFill>
+        <a:latin typeface="+mn-lt"/>
+        <a:ea typeface="+mn-ea"/>
+        <a:cs typeface="+mn-cs"/>
+      </a:defRPr>
+    </a:lvl6pPr>
+    <a:lvl7pPr marL="2743200" algn="l" defTabSz="914400" rtl="0" eaLnBrk="1" latinLnBrk="0" hangingPunct="1">
+      <a:defRPr sz="1200" kern="1200">
+        <a:solidFill>
+          <a:schemeClr val="tx1"/>
+        </a:solidFill>
+        <a:latin typeface="+mn-lt"/>
+        <a:ea typeface="+mn-ea"/>
+        <a:cs typeface="+mn-cs"/>
+      </a:defRPr>
+    </a:lvl7pPr>
+    <a:lvl8pPr marL="3200400" algn="l" defTabSz="914400" rtl="0" eaLnBrk="1" latinLnBrk="0" hangingPunct="1">
+      <a:defRPr sz="1200" kern="1200">
+        <a:solidFill>
+          <a:schemeClr val="tx1"/>
+        </a:solidFill>
+        <a:latin typeface="+mn-lt"/>
+        <a:ea typeface="+mn-ea"/>
+        <a:cs typeface="+mn-cs"/>
+      </a:defRPr>
+    </a:lvl8pPr>
+    <a:lvl9pPr marL="3657600" algn="l" defTabSz="914400" rtl="0" eaLnBrk="1" latinLnBrk="0" hangingPunct="1">
+      <a:defRPr sz="1200" kern="1200">
+        <a:solidFill>
+          <a:schemeClr val="tx1"/>
+        </a:solidFill>
+        <a:latin typeface="+mn-lt"/>
+        <a:ea typeface="+mn-ea"/>
+        <a:cs typeface="+mn-cs"/>
+      </a:defRPr>
+    </a:lvl9pPr>
+  </p:notesStyle>
+</p:notesMaster>
+</file>
+
+<file path=ppt/notesSlides/notesSlide1.xml><?xml version="1.0" encoding="utf-8"?>
+<p:notes xmlns:a="http://schemas.openxmlformats.org/drawingml/2006/main" xmlns:r="http://schemas.openxmlformats.org/officeDocument/2006/relationships" xmlns:p="http://schemas.openxmlformats.org/presentationml/2006/main">
+  <p:cSld>
+    <p:spTree>
+      <p:nvGrpSpPr>
+        <p:cNvPr id="1" name=""/>
+        <p:cNvGrpSpPr/>
+        <p:nvPr/>
+      </p:nvGrpSpPr>
+      <p:grpSpPr>
+        <a:xfrm>
+          <a:off x="0" y="0"/>
+          <a:ext cx="0" cy="0"/>
+          <a:chOff x="0" y="0"/>
+          <a:chExt cx="0" cy="0"/>
+        </a:xfrm>
+      </p:grpSpPr>
+      <p:sp>
+        <p:nvSpPr>
+          <p:cNvPr id="2" name="Образ слайда 1"/>
+          <p:cNvSpPr>
+            <a:spLocks noGrp="1" noRot="1" noChangeAspect="1"/>
+          </p:cNvSpPr>
+          <p:nvPr>
+            <p:ph type="sldImg"/>
+          </p:nvPr>
+        </p:nvSpPr>
+        <p:spPr/>
+      </p:sp>
+      <p:sp>
+        <p:nvSpPr>
+          <p:cNvPr id="3" name="Заметки 2"/>
+          <p:cNvSpPr>
+            <a:spLocks noGrp="1"/>
+          </p:cNvSpPr>
+          <p:nvPr>
+            <p:ph type="body" idx="1"/>
+          </p:nvPr>
+        </p:nvSpPr>
+        <p:spPr/>
+        <p:txBody>
+          <a:bodyPr/>
+          <a:lstStyle/>
+          <a:p>
+            <a:endParaRPr lang="ru-RU" dirty="0"/>
+          </a:p>
+        </p:txBody>
+      </p:sp>
+      <p:sp>
+        <p:nvSpPr>
+          <p:cNvPr id="4" name="Номер слайда 3"/>
+          <p:cNvSpPr>
+            <a:spLocks noGrp="1"/>
+          </p:cNvSpPr>
+          <p:nvPr>
+            <p:ph type="sldNum" sz="quarter" idx="10"/>
+          </p:nvPr>
+        </p:nvSpPr>
+        <p:spPr/>
+        <p:txBody>
+          <a:bodyPr/>
+          <a:lstStyle/>
+          <a:p>
+            <a:fld id="{D6C13B46-4F84-4C42-8B6C-CB969F1998F7}" type="slidenum">
+              <a:rPr lang="ru-RU" smtClean="0"/>
+              <a:t>10</a:t>
+            </a:fld>
+            <a:endParaRPr lang="ru-RU"/>
+          </a:p>
+        </p:txBody>
+      </p:sp>
+    </p:spTree>
+    <p:extLst>
+      <p:ext uri="{BB962C8B-B14F-4D97-AF65-F5344CB8AC3E}">
+        <p14:creationId xmlns:p14="http://schemas.microsoft.com/office/powerpoint/2010/main" val="4081268927"/>
+      </p:ext>
+    </p:extLst>
+  </p:cSld>
+  <p:clrMapOvr>
+    <a:masterClrMapping/>
+  </p:clrMapOvr>
+</p:notes>
+</file>
+
 <file path=ppt/slideLayouts/slideLayout1.xml><?xml version="1.0" encoding="utf-8"?>
 <p:sldLayout xmlns:a="http://schemas.openxmlformats.org/drawingml/2006/main" xmlns:r="http://schemas.openxmlformats.org/officeDocument/2006/relationships" xmlns:p="http://schemas.openxmlformats.org/presentationml/2006/main" type="title" preserve="1">
   <p:cSld name="Титульный слайд">
@@ -317,7 +754,7 @@
           <a:p>
             <a:fld id="{5B106E36-FD25-4E2D-B0AA-010F637433A0}" type="datetimeFigureOut">
               <a:rPr lang="ru-RU" smtClean="0"/>
-              <a:t>06.01.2024</a:t>
+              <a:t>18.01.2024</a:t>
             </a:fld>
             <a:endParaRPr lang="ru-RU"/>
           </a:p>
@@ -480,7 +917,7 @@
           <a:p>
             <a:fld id="{5B106E36-FD25-4E2D-B0AA-010F637433A0}" type="datetimeFigureOut">
               <a:rPr lang="ru-RU" smtClean="0"/>
-              <a:t>06.01.2024</a:t>
+              <a:t>18.01.2024</a:t>
             </a:fld>
             <a:endParaRPr lang="ru-RU"/>
           </a:p>
@@ -653,7 +1090,7 @@
           <a:p>
             <a:fld id="{5B106E36-FD25-4E2D-B0AA-010F637433A0}" type="datetimeFigureOut">
               <a:rPr lang="ru-RU" smtClean="0"/>
-              <a:t>06.01.2024</a:t>
+              <a:t>18.01.2024</a:t>
             </a:fld>
             <a:endParaRPr lang="ru-RU"/>
           </a:p>
@@ -816,7 +1253,7 @@
           <a:p>
             <a:fld id="{5B106E36-FD25-4E2D-B0AA-010F637433A0}" type="datetimeFigureOut">
               <a:rPr lang="ru-RU" smtClean="0"/>
-              <a:t>06.01.2024</a:t>
+              <a:t>18.01.2024</a:t>
             </a:fld>
             <a:endParaRPr lang="ru-RU"/>
           </a:p>
@@ -1056,7 +1493,7 @@
           <a:p>
             <a:fld id="{5B106E36-FD25-4E2D-B0AA-010F637433A0}" type="datetimeFigureOut">
               <a:rPr lang="ru-RU" smtClean="0"/>
-              <a:t>06.01.2024</a:t>
+              <a:t>18.01.2024</a:t>
             </a:fld>
             <a:endParaRPr lang="ru-RU"/>
           </a:p>
@@ -1336,7 +1773,7 @@
           <a:p>
             <a:fld id="{5B106E36-FD25-4E2D-B0AA-010F637433A0}" type="datetimeFigureOut">
               <a:rPr lang="ru-RU" smtClean="0"/>
-              <a:t>06.01.2024</a:t>
+              <a:t>18.01.2024</a:t>
             </a:fld>
             <a:endParaRPr lang="ru-RU"/>
           </a:p>
@@ -1750,7 +2187,7 @@
           <a:p>
             <a:fld id="{5B106E36-FD25-4E2D-B0AA-010F637433A0}" type="datetimeFigureOut">
               <a:rPr lang="ru-RU" smtClean="0"/>
-              <a:t>06.01.2024</a:t>
+              <a:t>18.01.2024</a:t>
             </a:fld>
             <a:endParaRPr lang="ru-RU"/>
           </a:p>
@@ -1862,7 +2299,7 @@
           <a:p>
             <a:fld id="{5B106E36-FD25-4E2D-B0AA-010F637433A0}" type="datetimeFigureOut">
               <a:rPr lang="ru-RU" smtClean="0"/>
-              <a:t>06.01.2024</a:t>
+              <a:t>18.01.2024</a:t>
             </a:fld>
             <a:endParaRPr lang="ru-RU"/>
           </a:p>
@@ -1952,7 +2389,7 @@
           <a:p>
             <a:fld id="{5B106E36-FD25-4E2D-B0AA-010F637433A0}" type="datetimeFigureOut">
               <a:rPr lang="ru-RU" smtClean="0"/>
-              <a:t>06.01.2024</a:t>
+              <a:t>18.01.2024</a:t>
             </a:fld>
             <a:endParaRPr lang="ru-RU"/>
           </a:p>
@@ -2222,7 +2659,7 @@
           <a:p>
             <a:fld id="{5B106E36-FD25-4E2D-B0AA-010F637433A0}" type="datetimeFigureOut">
               <a:rPr lang="ru-RU" smtClean="0"/>
-              <a:t>06.01.2024</a:t>
+              <a:t>18.01.2024</a:t>
             </a:fld>
             <a:endParaRPr lang="ru-RU"/>
           </a:p>
@@ -2469,7 +2906,7 @@
           <a:p>
             <a:fld id="{5B106E36-FD25-4E2D-B0AA-010F637433A0}" type="datetimeFigureOut">
               <a:rPr lang="ru-RU" smtClean="0"/>
-              <a:t>06.01.2024</a:t>
+              <a:t>18.01.2024</a:t>
             </a:fld>
             <a:endParaRPr lang="ru-RU"/>
           </a:p>
@@ -2675,7 +3112,7 @@
           <a:p>
             <a:fld id="{5B106E36-FD25-4E2D-B0AA-010F637433A0}" type="datetimeFigureOut">
               <a:rPr lang="ru-RU" smtClean="0"/>
-              <a:t>06.01.2024</a:t>
+              <a:t>18.01.2024</a:t>
             </a:fld>
             <a:endParaRPr lang="ru-RU"/>
           </a:p>
@@ -3078,6 +3515,12 @@
                 <a:latin typeface="Bookman Old Style" panose="02050604050505020204" pitchFamily="18" charset="0"/>
               </a:rPr>
             </a:br>
+            <a:r>
+              <a:rPr lang="ru-RU" sz="3000" dirty="0">
+                <a:latin typeface="Bookman Old Style" panose="02050604050505020204" pitchFamily="18" charset="0"/>
+              </a:rPr>
+              <a:t/>
+            </a:r>
             <a:br>
               <a:rPr lang="ru-RU" sz="3000" dirty="0">
                 <a:latin typeface="Bookman Old Style" panose="02050604050505020204" pitchFamily="18" charset="0"/>
@@ -3374,172 +3817,6 @@
       </p:grpSpPr>
       <p:sp>
         <p:nvSpPr>
-          <p:cNvPr id="2" name="Заголовок 1"/>
-          <p:cNvSpPr>
-            <a:spLocks noGrp="1"/>
-          </p:cNvSpPr>
-          <p:nvPr>
-            <p:ph type="ctrTitle"/>
-          </p:nvPr>
-        </p:nvSpPr>
-        <p:spPr>
-          <a:xfrm>
-            <a:off x="119337" y="1595461"/>
-            <a:ext cx="12072663" cy="3637300"/>
-          </a:xfrm>
-        </p:spPr>
-        <p:txBody>
-          <a:bodyPr>
-            <a:noAutofit/>
-          </a:bodyPr>
-          <a:lstStyle/>
-          <a:p>
-            <a:pPr algn="l"/>
-            <a:br>
-              <a:rPr lang="ru-RU" sz="1800" dirty="0">
-                <a:latin typeface="Bookman Old Style" panose="02050604050505020204" pitchFamily="18" charset="0"/>
-              </a:rPr>
-            </a:br>
-            <a:br>
-              <a:rPr lang="ru-RU" sz="1800" dirty="0">
-                <a:latin typeface="Bookman Old Style" panose="02050604050505020204" pitchFamily="18" charset="0"/>
-              </a:rPr>
-            </a:br>
-            <a:r>
-              <a:rPr lang="ru-RU" sz="1800" dirty="0">
-                <a:latin typeface="Bookman Old Style" panose="02050604050505020204" pitchFamily="18" charset="0"/>
-              </a:rPr>
-              <a:t>Улучшение системы - процесс, обеспечивающий работу системы согласно ожиданиям (проект системы определен и установлен).</a:t>
-            </a:r>
-            <a:br>
-              <a:rPr lang="ru-RU" sz="1800" dirty="0">
-                <a:latin typeface="Bookman Old Style" panose="02050604050505020204" pitchFamily="18" charset="0"/>
-              </a:rPr>
-            </a:br>
-            <a:br>
-              <a:rPr lang="ru-RU" sz="1800" dirty="0">
-                <a:latin typeface="Bookman Old Style" panose="02050604050505020204" pitchFamily="18" charset="0"/>
-              </a:rPr>
-            </a:br>
-            <a:r>
-              <a:rPr lang="ru-RU" sz="1800" dirty="0">
-                <a:latin typeface="Bookman Old Style" panose="02050604050505020204" pitchFamily="18" charset="0"/>
-              </a:rPr>
-              <a:t>В процессе улучшения решаются следующие проблемы: </a:t>
-            </a:r>
-            <a:br>
-              <a:rPr lang="ru-RU" sz="1800" dirty="0">
-                <a:latin typeface="Bookman Old Style" panose="02050604050505020204" pitchFamily="18" charset="0"/>
-              </a:rPr>
-            </a:br>
-            <a:r>
-              <a:rPr lang="ru-RU" sz="1800" dirty="0">
-                <a:latin typeface="Bookman Old Style" panose="02050604050505020204" pitchFamily="18" charset="0"/>
-              </a:rPr>
-              <a:t>- система не соответствует поставленным целям; </a:t>
-            </a:r>
-            <a:br>
-              <a:rPr lang="ru-RU" sz="1800" dirty="0">
-                <a:latin typeface="Bookman Old Style" panose="02050604050505020204" pitchFamily="18" charset="0"/>
-              </a:rPr>
-            </a:br>
-            <a:r>
-              <a:rPr lang="ru-RU" sz="1800" dirty="0">
-                <a:latin typeface="Bookman Old Style" panose="02050604050505020204" pitchFamily="18" charset="0"/>
-              </a:rPr>
-              <a:t>- система не обеспечивает прогнозирование результатов;</a:t>
-            </a:r>
-            <a:br>
-              <a:rPr lang="ru-RU" sz="1800" dirty="0">
-                <a:latin typeface="Bookman Old Style" panose="02050604050505020204" pitchFamily="18" charset="0"/>
-              </a:rPr>
-            </a:br>
-            <a:r>
-              <a:rPr lang="ru-RU" sz="1800" dirty="0">
-                <a:latin typeface="Bookman Old Style" panose="02050604050505020204" pitchFamily="18" charset="0"/>
-              </a:rPr>
-              <a:t>- система не работает так, как первоначально предполагалось. </a:t>
-            </a:r>
-            <a:br>
-              <a:rPr lang="ru-RU" sz="1800" dirty="0">
-                <a:latin typeface="Bookman Old Style" panose="02050604050505020204" pitchFamily="18" charset="0"/>
-              </a:rPr>
-            </a:br>
-            <a:br>
-              <a:rPr lang="ru-RU" sz="1800" dirty="0">
-                <a:latin typeface="Bookman Old Style" panose="02050604050505020204" pitchFamily="18" charset="0"/>
-              </a:rPr>
-            </a:br>
-            <a:r>
-              <a:rPr lang="ru-RU" sz="1800" dirty="0">
-                <a:latin typeface="Bookman Old Style" panose="02050604050505020204" pitchFamily="18" charset="0"/>
-              </a:rPr>
-              <a:t>Процесс улучшения систем характеризуется следующими шагами: </a:t>
-            </a:r>
-            <a:br>
-              <a:rPr lang="ru-RU" sz="1800" dirty="0">
-                <a:latin typeface="Bookman Old Style" panose="02050604050505020204" pitchFamily="18" charset="0"/>
-              </a:rPr>
-            </a:br>
-            <a:r>
-              <a:rPr lang="ru-RU" sz="1800" dirty="0">
-                <a:latin typeface="Bookman Old Style" panose="02050604050505020204" pitchFamily="18" charset="0"/>
-              </a:rPr>
-              <a:t>1) определяется задача и устанавливаются система и составляющие ее подсистемы; </a:t>
-            </a:r>
-            <a:br>
-              <a:rPr lang="ru-RU" sz="1800" dirty="0">
-                <a:latin typeface="Bookman Old Style" panose="02050604050505020204" pitchFamily="18" charset="0"/>
-              </a:rPr>
-            </a:br>
-            <a:r>
-              <a:rPr lang="ru-RU" sz="1800" dirty="0">
-                <a:latin typeface="Bookman Old Style" panose="02050604050505020204" pitchFamily="18" charset="0"/>
-              </a:rPr>
-              <a:t>2) путем наблюдения определяются реальные состояния, условия работы или поведение систем;</a:t>
-            </a:r>
-            <a:br>
-              <a:rPr lang="ru-RU" sz="1800" dirty="0">
-                <a:latin typeface="Bookman Old Style" panose="02050604050505020204" pitchFamily="18" charset="0"/>
-              </a:rPr>
-            </a:br>
-            <a:r>
-              <a:rPr lang="ru-RU" sz="1800" dirty="0">
-                <a:latin typeface="Bookman Old Style" panose="02050604050505020204" pitchFamily="18" charset="0"/>
-              </a:rPr>
-              <a:t>3) реальные и ожидаемые условия работы систем сравниваются, чтобы определить степень отклонения (это предполагает наличие стандарта или спецификации); </a:t>
-            </a:r>
-            <a:br>
-              <a:rPr lang="ru-RU" sz="1800" dirty="0">
-                <a:latin typeface="Bookman Old Style" panose="02050604050505020204" pitchFamily="18" charset="0"/>
-              </a:rPr>
-            </a:br>
-            <a:r>
-              <a:rPr lang="ru-RU" sz="1800" dirty="0">
-                <a:latin typeface="Bookman Old Style" panose="02050604050505020204" pitchFamily="18" charset="0"/>
-              </a:rPr>
-              <a:t>4) в рамках подсистем строятся гипотезы относительно причин этого отклонения; </a:t>
-            </a:r>
-            <a:br>
-              <a:rPr lang="ru-RU" sz="1800" dirty="0">
-                <a:latin typeface="Bookman Old Style" panose="02050604050505020204" pitchFamily="18" charset="0"/>
-              </a:rPr>
-            </a:br>
-            <a:r>
-              <a:rPr lang="ru-RU" sz="1800" dirty="0">
-                <a:latin typeface="Bookman Old Style" panose="02050604050505020204" pitchFamily="18" charset="0"/>
-              </a:rPr>
-              <a:t>5) из известных фактов методом дедукции делаются выводы, большая проблема разбивается на подпроблемы путем редукции. </a:t>
-            </a:r>
-            <a:endParaRPr lang="ru-RU" sz="1800" dirty="0">
-              <a:latin typeface="Bookman Old Style" panose="02050604050505020204" pitchFamily="18" charset="0"/>
-              <a:cs typeface="Times New Roman" panose="02020603050405020304" pitchFamily="18" charset="0"/>
-            </a:endParaRPr>
-          </a:p>
-        </p:txBody>
-      </p:sp>
-      <p:sp>
-        <p:nvSpPr>
           <p:cNvPr id="4" name="TextBox 3"/>
           <p:cNvSpPr txBox="1"/>
           <p:nvPr/>
@@ -3774,10 +4051,295 @@
           </a:p>
         </p:txBody>
       </p:sp>
+      <p:sp>
+        <p:nvSpPr>
+          <p:cNvPr id="5" name="Прямоугольник 4"/>
+          <p:cNvSpPr/>
+          <p:nvPr/>
+        </p:nvSpPr>
+        <p:spPr>
+          <a:xfrm>
+            <a:off x="155340" y="902523"/>
+            <a:ext cx="11881320" cy="5632311"/>
+          </a:xfrm>
+          <a:prstGeom prst="rect">
+            <a:avLst/>
+          </a:prstGeom>
+        </p:spPr>
+        <p:txBody>
+          <a:bodyPr wrap="square">
+            <a:spAutoFit/>
+          </a:bodyPr>
+          <a:lstStyle/>
+          <a:p>
+            <a:r>
+              <a:rPr lang="ru-RU" b="1" dirty="0">
+                <a:latin typeface="Bookman Old Style" panose="02050604050505020204" pitchFamily="18" charset="0"/>
+              </a:rPr>
+              <a:t>Проектирование систем </a:t>
+            </a:r>
+            <a:r>
+              <a:rPr lang="ru-RU" dirty="0">
+                <a:latin typeface="Bookman Old Style" panose="02050604050505020204" pitchFamily="18" charset="0"/>
+              </a:rPr>
+              <a:t>отличается от улучшения систем </a:t>
+            </a:r>
+            <a:r>
+              <a:rPr lang="ru-RU" dirty="0" smtClean="0">
+                <a:latin typeface="Bookman Old Style" panose="02050604050505020204" pitchFamily="18" charset="0"/>
+              </a:rPr>
+              <a:t>исходными</a:t>
+            </a:r>
+            <a:r>
+              <a:rPr lang="en-US" dirty="0" smtClean="0">
+                <a:latin typeface="Bookman Old Style" panose="02050604050505020204" pitchFamily="18" charset="0"/>
+              </a:rPr>
+              <a:t> </a:t>
+            </a:r>
+            <a:r>
+              <a:rPr lang="ru-RU" dirty="0" smtClean="0">
+                <a:latin typeface="Bookman Old Style" panose="02050604050505020204" pitchFamily="18" charset="0"/>
+              </a:rPr>
+              <a:t>посылками </a:t>
+            </a:r>
+            <a:r>
+              <a:rPr lang="ru-RU" dirty="0">
+                <a:latin typeface="Bookman Old Style" panose="02050604050505020204" pitchFamily="18" charset="0"/>
+              </a:rPr>
+              <a:t>и используемыми методами. Методологией </a:t>
+            </a:r>
+            <a:r>
+              <a:rPr lang="ru-RU" dirty="0" smtClean="0">
+                <a:latin typeface="Bookman Old Style" panose="02050604050505020204" pitchFamily="18" charset="0"/>
+              </a:rPr>
+              <a:t>системного</a:t>
+            </a:r>
+            <a:r>
+              <a:rPr lang="en-US" dirty="0" smtClean="0">
+                <a:latin typeface="Bookman Old Style" panose="02050604050505020204" pitchFamily="18" charset="0"/>
+              </a:rPr>
+              <a:t> </a:t>
+            </a:r>
+            <a:r>
+              <a:rPr lang="ru-RU" dirty="0" smtClean="0">
+                <a:latin typeface="Bookman Old Style" panose="02050604050505020204" pitchFamily="18" charset="0"/>
+              </a:rPr>
+              <a:t>проектирования </a:t>
+            </a:r>
+            <a:r>
+              <a:rPr lang="ru-RU" dirty="0">
+                <a:latin typeface="Bookman Old Style" panose="02050604050505020204" pitchFamily="18" charset="0"/>
+              </a:rPr>
+              <a:t>является </a:t>
+            </a:r>
+            <a:r>
+              <a:rPr lang="ru-RU" b="1" dirty="0">
+                <a:latin typeface="Bookman Old Style" panose="02050604050505020204" pitchFamily="18" charset="0"/>
+              </a:rPr>
+              <a:t>системный подход</a:t>
+            </a:r>
+            <a:r>
+              <a:rPr lang="ru-RU" dirty="0">
+                <a:latin typeface="Bookman Old Style" panose="02050604050505020204" pitchFamily="18" charset="0"/>
+              </a:rPr>
+              <a:t>, основанный на </a:t>
+            </a:r>
+            <a:r>
+              <a:rPr lang="ru-RU" dirty="0" smtClean="0">
+                <a:latin typeface="Bookman Old Style" panose="02050604050505020204" pitchFamily="18" charset="0"/>
+              </a:rPr>
+              <a:t>следующих</a:t>
+            </a:r>
+            <a:r>
+              <a:rPr lang="en-US" dirty="0" smtClean="0">
+                <a:latin typeface="Bookman Old Style" panose="02050604050505020204" pitchFamily="18" charset="0"/>
+              </a:rPr>
+              <a:t> </a:t>
+            </a:r>
+            <a:r>
+              <a:rPr lang="ru-RU" dirty="0" smtClean="0">
+                <a:latin typeface="Bookman Old Style" panose="02050604050505020204" pitchFamily="18" charset="0"/>
+              </a:rPr>
+              <a:t>положениях:</a:t>
+            </a:r>
+            <a:r>
+              <a:rPr lang="ru-RU" dirty="0">
+                <a:latin typeface="Bookman Old Style" panose="02050604050505020204" pitchFamily="18" charset="0"/>
+              </a:rPr>
+              <a:t/>
+            </a:r>
+            <a:br>
+              <a:rPr lang="ru-RU" dirty="0">
+                <a:latin typeface="Bookman Old Style" panose="02050604050505020204" pitchFamily="18" charset="0"/>
+              </a:rPr>
+            </a:br>
+            <a:endParaRPr lang="en-US" dirty="0" smtClean="0">
+              <a:latin typeface="Bookman Old Style" panose="02050604050505020204" pitchFamily="18" charset="0"/>
+            </a:endParaRPr>
+          </a:p>
+          <a:p>
+            <a:r>
+              <a:rPr lang="ru-RU" dirty="0" smtClean="0">
+                <a:latin typeface="Bookman Old Style" panose="02050604050505020204" pitchFamily="18" charset="0"/>
+              </a:rPr>
+              <a:t>1</a:t>
+            </a:r>
+            <a:r>
+              <a:rPr lang="ru-RU" dirty="0">
+                <a:latin typeface="Bookman Old Style" panose="02050604050505020204" pitchFamily="18" charset="0"/>
+              </a:rPr>
+              <a:t>) </a:t>
+            </a:r>
+            <a:r>
+              <a:rPr lang="ru-RU" dirty="0" smtClean="0">
+                <a:latin typeface="Bookman Old Style" panose="02050604050505020204" pitchFamily="18" charset="0"/>
+              </a:rPr>
+              <a:t>Проблема определяется с учетом взаимосвязи с большими системами, в которые входит рассматриваемая система и с которыми она связана общностью целей; </a:t>
+            </a:r>
+            <a:r>
+              <a:rPr lang="ru-RU" dirty="0">
+                <a:latin typeface="Bookman Old Style" panose="02050604050505020204" pitchFamily="18" charset="0"/>
+              </a:rPr>
+              <a:t/>
+            </a:r>
+            <a:br>
+              <a:rPr lang="ru-RU" dirty="0">
+                <a:latin typeface="Bookman Old Style" panose="02050604050505020204" pitchFamily="18" charset="0"/>
+              </a:rPr>
+            </a:br>
+            <a:r>
+              <a:rPr lang="ru-RU" dirty="0">
+                <a:latin typeface="Bookman Old Style" panose="02050604050505020204" pitchFamily="18" charset="0"/>
+              </a:rPr>
+              <a:t/>
+            </a:r>
+            <a:br>
+              <a:rPr lang="ru-RU" dirty="0">
+                <a:latin typeface="Bookman Old Style" panose="02050604050505020204" pitchFamily="18" charset="0"/>
+              </a:rPr>
+            </a:br>
+            <a:r>
+              <a:rPr lang="ru-RU" dirty="0">
+                <a:latin typeface="Bookman Old Style" panose="02050604050505020204" pitchFamily="18" charset="0"/>
+              </a:rPr>
+              <a:t>2) </a:t>
+            </a:r>
+            <a:r>
+              <a:rPr lang="ru-RU" dirty="0" smtClean="0">
+                <a:latin typeface="Bookman Old Style" panose="02050604050505020204" pitchFamily="18" charset="0"/>
+              </a:rPr>
+              <a:t>цели системы обычно определяются не в рамках подсистем, а их следует рассматривать в связи с более крупными системами или системой в целом;</a:t>
+            </a:r>
+            <a:r>
+              <a:rPr lang="ru-RU" dirty="0">
+                <a:latin typeface="Bookman Old Style" panose="02050604050505020204" pitchFamily="18" charset="0"/>
+              </a:rPr>
+              <a:t/>
+            </a:r>
+            <a:br>
+              <a:rPr lang="ru-RU" dirty="0">
+                <a:latin typeface="Bookman Old Style" panose="02050604050505020204" pitchFamily="18" charset="0"/>
+              </a:rPr>
+            </a:br>
+            <a:r>
+              <a:rPr lang="ru-RU" dirty="0">
+                <a:latin typeface="Bookman Old Style" panose="02050604050505020204" pitchFamily="18" charset="0"/>
+              </a:rPr>
+              <a:t> </a:t>
+            </a:r>
+            <a:br>
+              <a:rPr lang="ru-RU" dirty="0">
+                <a:latin typeface="Bookman Old Style" panose="02050604050505020204" pitchFamily="18" charset="0"/>
+              </a:rPr>
+            </a:br>
+            <a:r>
+              <a:rPr lang="ru-RU" dirty="0">
+                <a:latin typeface="Bookman Old Style" panose="02050604050505020204" pitchFamily="18" charset="0"/>
+              </a:rPr>
+              <a:t>3) </a:t>
+            </a:r>
+            <a:r>
+              <a:rPr lang="ru-RU" dirty="0" smtClean="0">
+                <a:latin typeface="Bookman Old Style" panose="02050604050505020204" pitchFamily="18" charset="0"/>
+              </a:rPr>
+              <a:t>существующие проекты следует оценивать величиной вмененных издержек или степенью отклонения системы от оптимального проекта; </a:t>
+            </a:r>
+            <a:r>
+              <a:rPr lang="ru-RU" dirty="0">
+                <a:latin typeface="Bookman Old Style" panose="02050604050505020204" pitchFamily="18" charset="0"/>
+              </a:rPr>
+              <a:t/>
+            </a:r>
+            <a:br>
+              <a:rPr lang="ru-RU" dirty="0">
+                <a:latin typeface="Bookman Old Style" panose="02050604050505020204" pitchFamily="18" charset="0"/>
+              </a:rPr>
+            </a:br>
+            <a:r>
+              <a:rPr lang="ru-RU" dirty="0">
+                <a:latin typeface="Bookman Old Style" panose="02050604050505020204" pitchFamily="18" charset="0"/>
+              </a:rPr>
+              <a:t/>
+            </a:r>
+            <a:br>
+              <a:rPr lang="ru-RU" dirty="0">
+                <a:latin typeface="Bookman Old Style" panose="02050604050505020204" pitchFamily="18" charset="0"/>
+              </a:rPr>
+            </a:br>
+            <a:r>
+              <a:rPr lang="ru-RU" dirty="0">
+                <a:latin typeface="Bookman Old Style" panose="02050604050505020204" pitchFamily="18" charset="0"/>
+              </a:rPr>
+              <a:t>4) </a:t>
+            </a:r>
+            <a:r>
+              <a:rPr lang="ru-RU" dirty="0" smtClean="0">
+                <a:latin typeface="Bookman Old Style" panose="02050604050505020204" pitchFamily="18" charset="0"/>
+              </a:rPr>
+              <a:t>оптимальный проект обычно нельзя получить путем внесения небольших изменений в существующие принятые формы. Он основан на планировании, оценке и принятии таких решений, которые предполагают новые и положительные изменения для системы в целом;</a:t>
+            </a:r>
+            <a:r>
+              <a:rPr lang="ru-RU" dirty="0">
+                <a:latin typeface="Bookman Old Style" panose="02050604050505020204" pitchFamily="18" charset="0"/>
+              </a:rPr>
+              <a:t/>
+            </a:r>
+            <a:br>
+              <a:rPr lang="ru-RU" dirty="0">
+                <a:latin typeface="Bookman Old Style" panose="02050604050505020204" pitchFamily="18" charset="0"/>
+              </a:rPr>
+            </a:br>
+            <a:r>
+              <a:rPr lang="ru-RU" dirty="0">
+                <a:latin typeface="Bookman Old Style" panose="02050604050505020204" pitchFamily="18" charset="0"/>
+              </a:rPr>
+              <a:t/>
+            </a:r>
+            <a:br>
+              <a:rPr lang="ru-RU" dirty="0">
+                <a:latin typeface="Bookman Old Style" panose="02050604050505020204" pitchFamily="18" charset="0"/>
+              </a:rPr>
+            </a:br>
+            <a:r>
+              <a:rPr lang="ru-RU" dirty="0">
+                <a:latin typeface="Bookman Old Style" panose="02050604050505020204" pitchFamily="18" charset="0"/>
+              </a:rPr>
+              <a:t>5) </a:t>
+            </a:r>
+            <a:r>
+              <a:rPr lang="ru-RU" dirty="0" smtClean="0">
+                <a:latin typeface="Bookman Old Style" panose="02050604050505020204" pitchFamily="18" charset="0"/>
+              </a:rPr>
+              <a:t>Системный подход и системная парадигма основаны на таких методах рассуждений, как индукция и синтез, которые отличаются от методов дедукции, анализа и редукции, используемые при улучшении систем. </a:t>
+            </a:r>
+            <a:endParaRPr lang="ru-RU" dirty="0"/>
+          </a:p>
+        </p:txBody>
+      </p:sp>
     </p:spTree>
     <p:extLst>
       <p:ext uri="{BB962C8B-B14F-4D97-AF65-F5344CB8AC3E}">
-        <p14:creationId xmlns:p14="http://schemas.microsoft.com/office/powerpoint/2010/main" val="2882673678"/>
+        <p14:creationId xmlns:p14="http://schemas.microsoft.com/office/powerpoint/2010/main" val="3567714155"/>
       </p:ext>
     </p:extLst>
   </p:cSld>
@@ -4045,7 +4607,7 @@
           <p:cNvPr id="8" name="Таблица 10">
             <a:extLst>
               <a:ext uri="{FF2B5EF4-FFF2-40B4-BE49-F238E27FC236}">
-                <a16:creationId xmlns:a16="http://schemas.microsoft.com/office/drawing/2014/main" id="{40433CE3-C618-468D-B353-E5434C5A6C2D}"/>
+                <a16:creationId xmlns="" xmlns:a16="http://schemas.microsoft.com/office/drawing/2014/main" id="{40433CE3-C618-468D-B353-E5434C5A6C2D}"/>
               </a:ext>
             </a:extLst>
           </p:cNvPr>
@@ -4074,21 +4636,21 @@
                 <a:gridCol w="2656254">
                   <a:extLst>
                     <a:ext uri="{9D8B030D-6E8A-4147-A177-3AD203B41FA5}">
-                      <a16:colId xmlns:a16="http://schemas.microsoft.com/office/drawing/2014/main" val="297817400"/>
+                      <a16:colId xmlns="" xmlns:a16="http://schemas.microsoft.com/office/drawing/2014/main" val="297817400"/>
                     </a:ext>
                   </a:extLst>
                 </a:gridCol>
                 <a:gridCol w="3745198">
                   <a:extLst>
                     <a:ext uri="{9D8B030D-6E8A-4147-A177-3AD203B41FA5}">
-                      <a16:colId xmlns:a16="http://schemas.microsoft.com/office/drawing/2014/main" val="2596069337"/>
+                      <a16:colId xmlns="" xmlns:a16="http://schemas.microsoft.com/office/drawing/2014/main" val="2596069337"/>
                     </a:ext>
                   </a:extLst>
                 </a:gridCol>
                 <a:gridCol w="5348190">
                   <a:extLst>
                     <a:ext uri="{9D8B030D-6E8A-4147-A177-3AD203B41FA5}">
-                      <a16:colId xmlns:a16="http://schemas.microsoft.com/office/drawing/2014/main" val="491336023"/>
+                      <a16:colId xmlns="" xmlns:a16="http://schemas.microsoft.com/office/drawing/2014/main" val="491336023"/>
                     </a:ext>
                   </a:extLst>
                 </a:gridCol>
@@ -4144,7 +4706,7 @@
                 </a:tc>
                 <a:extLst>
                   <a:ext uri="{0D108BD9-81ED-4DB2-BD59-A6C34878D82A}">
-                    <a16:rowId xmlns:a16="http://schemas.microsoft.com/office/drawing/2014/main" val="813790407"/>
+                    <a16:rowId xmlns="" xmlns:a16="http://schemas.microsoft.com/office/drawing/2014/main" val="813790407"/>
                   </a:ext>
                 </a:extLst>
               </a:tr>
@@ -4199,7 +4761,7 @@
                 </a:tc>
                 <a:extLst>
                   <a:ext uri="{0D108BD9-81ED-4DB2-BD59-A6C34878D82A}">
-                    <a16:rowId xmlns:a16="http://schemas.microsoft.com/office/drawing/2014/main" val="1327650675"/>
+                    <a16:rowId xmlns="" xmlns:a16="http://schemas.microsoft.com/office/drawing/2014/main" val="1327650675"/>
                   </a:ext>
                 </a:extLst>
               </a:tr>
@@ -4254,7 +4816,7 @@
                 </a:tc>
                 <a:extLst>
                   <a:ext uri="{0D108BD9-81ED-4DB2-BD59-A6C34878D82A}">
-                    <a16:rowId xmlns:a16="http://schemas.microsoft.com/office/drawing/2014/main" val="4099764098"/>
+                    <a16:rowId xmlns="" xmlns:a16="http://schemas.microsoft.com/office/drawing/2014/main" val="4099764098"/>
                   </a:ext>
                 </a:extLst>
               </a:tr>
@@ -4309,7 +4871,7 @@
                 </a:tc>
                 <a:extLst>
                   <a:ext uri="{0D108BD9-81ED-4DB2-BD59-A6C34878D82A}">
-                    <a16:rowId xmlns:a16="http://schemas.microsoft.com/office/drawing/2014/main" val="1763371592"/>
+                    <a16:rowId xmlns="" xmlns:a16="http://schemas.microsoft.com/office/drawing/2014/main" val="1763371592"/>
                   </a:ext>
                 </a:extLst>
               </a:tr>
@@ -4364,7 +4926,7 @@
                 </a:tc>
                 <a:extLst>
                   <a:ext uri="{0D108BD9-81ED-4DB2-BD59-A6C34878D82A}">
-                    <a16:rowId xmlns:a16="http://schemas.microsoft.com/office/drawing/2014/main" val="3563930161"/>
+                    <a16:rowId xmlns="" xmlns:a16="http://schemas.microsoft.com/office/drawing/2014/main" val="3563930161"/>
                   </a:ext>
                 </a:extLst>
               </a:tr>
@@ -4419,7 +4981,7 @@
                 </a:tc>
                 <a:extLst>
                   <a:ext uri="{0D108BD9-81ED-4DB2-BD59-A6C34878D82A}">
-                    <a16:rowId xmlns:a16="http://schemas.microsoft.com/office/drawing/2014/main" val="1741762302"/>
+                    <a16:rowId xmlns="" xmlns:a16="http://schemas.microsoft.com/office/drawing/2014/main" val="1741762302"/>
                   </a:ext>
                 </a:extLst>
               </a:tr>
@@ -4474,7 +5036,7 @@
                 </a:tc>
                 <a:extLst>
                   <a:ext uri="{0D108BD9-81ED-4DB2-BD59-A6C34878D82A}">
-                    <a16:rowId xmlns:a16="http://schemas.microsoft.com/office/drawing/2014/main" val="2364507642"/>
+                    <a16:rowId xmlns="" xmlns:a16="http://schemas.microsoft.com/office/drawing/2014/main" val="2364507642"/>
                   </a:ext>
                 </a:extLst>
               </a:tr>
@@ -4535,7 +5097,7 @@
                 </a:tc>
                 <a:extLst>
                   <a:ext uri="{0D108BD9-81ED-4DB2-BD59-A6C34878D82A}">
-                    <a16:rowId xmlns:a16="http://schemas.microsoft.com/office/drawing/2014/main" val="293183797"/>
+                    <a16:rowId xmlns="" xmlns:a16="http://schemas.microsoft.com/office/drawing/2014/main" val="293183797"/>
                   </a:ext>
                 </a:extLst>
               </a:tr>
@@ -4548,7 +5110,7 @@
           <p:cNvPr id="15" name="TextBox 14">
             <a:extLst>
               <a:ext uri="{FF2B5EF4-FFF2-40B4-BE49-F238E27FC236}">
-                <a16:creationId xmlns:a16="http://schemas.microsoft.com/office/drawing/2014/main" id="{A695CA3C-0597-468F-AC25-85E38200241E}"/>
+                <a16:creationId xmlns="" xmlns:a16="http://schemas.microsoft.com/office/drawing/2014/main" id="{A695CA3C-0597-468F-AC25-85E38200241E}"/>
               </a:ext>
             </a:extLst>
           </p:cNvPr>
@@ -4634,11 +5196,23 @@
           <a:lstStyle/>
           <a:p>
             <a:pPr algn="l"/>
+            <a:r>
+              <a:rPr lang="ru-RU" sz="1800" dirty="0">
+                <a:latin typeface="Bookman Old Style" panose="02050604050505020204" pitchFamily="18" charset="0"/>
+              </a:rPr>
+              <a:t/>
+            </a:r>
             <a:br>
               <a:rPr lang="ru-RU" sz="1800" dirty="0">
                 <a:latin typeface="Bookman Old Style" panose="02050604050505020204" pitchFamily="18" charset="0"/>
               </a:rPr>
             </a:br>
+            <a:r>
+              <a:rPr lang="ru-RU" sz="1800" dirty="0">
+                <a:latin typeface="Bookman Old Style" panose="02050604050505020204" pitchFamily="18" charset="0"/>
+              </a:rPr>
+              <a:t/>
+            </a:r>
             <a:br>
               <a:rPr lang="ru-RU" sz="1800" dirty="0">
                 <a:latin typeface="Bookman Old Style" panose="02050604050505020204" pitchFamily="18" charset="0"/>
@@ -4661,6 +5235,12 @@
                 <a:latin typeface="Bookman Old Style" panose="02050604050505020204" pitchFamily="18" charset="0"/>
               </a:rPr>
             </a:br>
+            <a:r>
+              <a:rPr lang="ru-RU" sz="1800" dirty="0">
+                <a:latin typeface="Bookman Old Style" panose="02050604050505020204" pitchFamily="18" charset="0"/>
+              </a:rPr>
+              <a:t/>
+            </a:r>
             <a:br>
               <a:rPr lang="ru-RU" sz="1800" dirty="0">
                 <a:latin typeface="Bookman Old Style" panose="02050604050505020204" pitchFamily="18" charset="0"/>
@@ -4677,6 +5257,12 @@
                 <a:latin typeface="Bookman Old Style" panose="02050604050505020204" pitchFamily="18" charset="0"/>
               </a:rPr>
             </a:br>
+            <a:r>
+              <a:rPr lang="ru-RU" sz="1800" dirty="0">
+                <a:latin typeface="Bookman Old Style" panose="02050604050505020204" pitchFamily="18" charset="0"/>
+              </a:rPr>
+              <a:t/>
+            </a:r>
             <a:br>
               <a:rPr lang="ru-RU" sz="1800" dirty="0">
                 <a:latin typeface="Bookman Old Style" panose="02050604050505020204" pitchFamily="18" charset="0"/>
@@ -4693,6 +5279,12 @@
                 <a:latin typeface="Bookman Old Style" panose="02050604050505020204" pitchFamily="18" charset="0"/>
               </a:rPr>
             </a:br>
+            <a:r>
+              <a:rPr lang="ru-RU" sz="1800" dirty="0">
+                <a:latin typeface="Bookman Old Style" panose="02050604050505020204" pitchFamily="18" charset="0"/>
+              </a:rPr>
+              <a:t/>
+            </a:r>
             <a:br>
               <a:rPr lang="ru-RU" sz="1800" dirty="0">
                 <a:latin typeface="Bookman Old Style" panose="02050604050505020204" pitchFamily="18" charset="0"/>
@@ -5011,11 +5603,23 @@
           <a:lstStyle/>
           <a:p>
             <a:pPr algn="l"/>
+            <a:r>
+              <a:rPr lang="ru-RU" sz="1800" dirty="0">
+                <a:latin typeface="Bookman Old Style" panose="02050604050505020204" pitchFamily="18" charset="0"/>
+              </a:rPr>
+              <a:t/>
+            </a:r>
             <a:br>
               <a:rPr lang="ru-RU" sz="1800" dirty="0">
                 <a:latin typeface="Bookman Old Style" panose="02050604050505020204" pitchFamily="18" charset="0"/>
               </a:rPr>
             </a:br>
+            <a:r>
+              <a:rPr lang="ru-RU" sz="1800" dirty="0">
+                <a:latin typeface="Bookman Old Style" panose="02050604050505020204" pitchFamily="18" charset="0"/>
+              </a:rPr>
+              <a:t/>
+            </a:r>
             <a:br>
               <a:rPr lang="ru-RU" sz="1800" dirty="0">
                 <a:latin typeface="Bookman Old Style" panose="02050604050505020204" pitchFamily="18" charset="0"/>
@@ -5038,6 +5642,12 @@
                 <a:latin typeface="Bookman Old Style" panose="02050604050505020204" pitchFamily="18" charset="0"/>
               </a:rPr>
             </a:br>
+            <a:r>
+              <a:rPr lang="ru-RU" sz="1800" dirty="0">
+                <a:latin typeface="Bookman Old Style" panose="02050604050505020204" pitchFamily="18" charset="0"/>
+              </a:rPr>
+              <a:t/>
+            </a:r>
             <a:br>
               <a:rPr lang="ru-RU" sz="1800" dirty="0">
                 <a:latin typeface="Bookman Old Style" panose="02050604050505020204" pitchFamily="18" charset="0"/>
@@ -5054,6 +5664,12 @@
                 <a:latin typeface="Bookman Old Style" panose="02050604050505020204" pitchFamily="18" charset="0"/>
               </a:rPr>
             </a:br>
+            <a:r>
+              <a:rPr lang="ru-RU" sz="1800" dirty="0">
+                <a:latin typeface="Bookman Old Style" panose="02050604050505020204" pitchFamily="18" charset="0"/>
+              </a:rPr>
+              <a:t/>
+            </a:r>
             <a:br>
               <a:rPr lang="ru-RU" sz="1800" dirty="0">
                 <a:latin typeface="Bookman Old Style" panose="02050604050505020204" pitchFamily="18" charset="0"/>
@@ -5070,6 +5686,12 @@
                 <a:latin typeface="Bookman Old Style" panose="02050604050505020204" pitchFamily="18" charset="0"/>
               </a:rPr>
             </a:br>
+            <a:r>
+              <a:rPr lang="ru-RU" sz="1800" dirty="0">
+                <a:latin typeface="Bookman Old Style" panose="02050604050505020204" pitchFamily="18" charset="0"/>
+              </a:rPr>
+              <a:t/>
+            </a:r>
             <a:br>
               <a:rPr lang="ru-RU" sz="1800" dirty="0">
                 <a:latin typeface="Bookman Old Style" panose="02050604050505020204" pitchFamily="18" charset="0"/>
@@ -5388,11 +6010,23 @@
           <a:lstStyle/>
           <a:p>
             <a:pPr algn="l"/>
+            <a:r>
+              <a:rPr lang="ru-RU" sz="1800" dirty="0">
+                <a:latin typeface="Bookman Old Style" panose="02050604050505020204" pitchFamily="18" charset="0"/>
+              </a:rPr>
+              <a:t/>
+            </a:r>
             <a:br>
               <a:rPr lang="ru-RU" sz="1800" dirty="0">
                 <a:latin typeface="Bookman Old Style" panose="02050604050505020204" pitchFamily="18" charset="0"/>
               </a:rPr>
             </a:br>
+            <a:r>
+              <a:rPr lang="ru-RU" sz="1800" dirty="0">
+                <a:latin typeface="Bookman Old Style" panose="02050604050505020204" pitchFamily="18" charset="0"/>
+              </a:rPr>
+              <a:t/>
+            </a:r>
             <a:br>
               <a:rPr lang="ru-RU" sz="1800" dirty="0">
                 <a:latin typeface="Bookman Old Style" panose="02050604050505020204" pitchFamily="18" charset="0"/>
@@ -5415,6 +6049,12 @@
                 <a:latin typeface="Bookman Old Style" panose="02050604050505020204" pitchFamily="18" charset="0"/>
               </a:rPr>
             </a:br>
+            <a:r>
+              <a:rPr lang="ru-RU" sz="1800" dirty="0">
+                <a:latin typeface="Bookman Old Style" panose="02050604050505020204" pitchFamily="18" charset="0"/>
+              </a:rPr>
+              <a:t/>
+            </a:r>
             <a:br>
               <a:rPr lang="ru-RU" sz="1800" dirty="0">
                 <a:latin typeface="Bookman Old Style" panose="02050604050505020204" pitchFamily="18" charset="0"/>
@@ -5431,6 +6071,12 @@
                 <a:latin typeface="Bookman Old Style" panose="02050604050505020204" pitchFamily="18" charset="0"/>
               </a:rPr>
             </a:br>
+            <a:r>
+              <a:rPr lang="ru-RU" sz="1800" dirty="0">
+                <a:latin typeface="Bookman Old Style" panose="02050604050505020204" pitchFamily="18" charset="0"/>
+              </a:rPr>
+              <a:t/>
+            </a:r>
             <a:br>
               <a:rPr lang="ru-RU" sz="1800" dirty="0">
                 <a:latin typeface="Bookman Old Style" panose="02050604050505020204" pitchFamily="18" charset="0"/>
@@ -5447,6 +6093,12 @@
                 <a:latin typeface="Bookman Old Style" panose="02050604050505020204" pitchFamily="18" charset="0"/>
               </a:rPr>
             </a:br>
+            <a:r>
+              <a:rPr lang="ru-RU" sz="1800" dirty="0">
+                <a:latin typeface="Bookman Old Style" panose="02050604050505020204" pitchFamily="18" charset="0"/>
+              </a:rPr>
+              <a:t/>
+            </a:r>
             <a:br>
               <a:rPr lang="ru-RU" sz="1800" dirty="0">
                 <a:latin typeface="Bookman Old Style" panose="02050604050505020204" pitchFamily="18" charset="0"/>
@@ -5765,11 +6417,23 @@
           <a:lstStyle/>
           <a:p>
             <a:pPr algn="l"/>
+            <a:r>
+              <a:rPr lang="ru-RU" sz="1800" dirty="0">
+                <a:latin typeface="Bookman Old Style" panose="02050604050505020204" pitchFamily="18" charset="0"/>
+              </a:rPr>
+              <a:t/>
+            </a:r>
             <a:br>
               <a:rPr lang="ru-RU" sz="1800" dirty="0">
                 <a:latin typeface="Bookman Old Style" panose="02050604050505020204" pitchFamily="18" charset="0"/>
               </a:rPr>
             </a:br>
+            <a:r>
+              <a:rPr lang="ru-RU" sz="1800" dirty="0">
+                <a:latin typeface="Bookman Old Style" panose="02050604050505020204" pitchFamily="18" charset="0"/>
+              </a:rPr>
+              <a:t/>
+            </a:r>
             <a:br>
               <a:rPr lang="ru-RU" sz="1800" dirty="0">
                 <a:latin typeface="Bookman Old Style" panose="02050604050505020204" pitchFamily="18" charset="0"/>
@@ -5792,6 +6456,12 @@
                 <a:latin typeface="Bookman Old Style" panose="02050604050505020204" pitchFamily="18" charset="0"/>
               </a:rPr>
             </a:br>
+            <a:r>
+              <a:rPr lang="ru-RU" sz="1800" dirty="0">
+                <a:latin typeface="Bookman Old Style" panose="02050604050505020204" pitchFamily="18" charset="0"/>
+              </a:rPr>
+              <a:t/>
+            </a:r>
             <a:br>
               <a:rPr lang="ru-RU" sz="1800" dirty="0">
                 <a:latin typeface="Bookman Old Style" panose="02050604050505020204" pitchFamily="18" charset="0"/>
@@ -5808,6 +6478,12 @@
                 <a:latin typeface="Bookman Old Style" panose="02050604050505020204" pitchFamily="18" charset="0"/>
               </a:rPr>
             </a:br>
+            <a:r>
+              <a:rPr lang="ru-RU" sz="1800" dirty="0">
+                <a:latin typeface="Bookman Old Style" panose="02050604050505020204" pitchFamily="18" charset="0"/>
+              </a:rPr>
+              <a:t/>
+            </a:r>
             <a:br>
               <a:rPr lang="ru-RU" sz="1800" dirty="0">
                 <a:latin typeface="Bookman Old Style" panose="02050604050505020204" pitchFamily="18" charset="0"/>
@@ -5824,6 +6500,12 @@
                 <a:latin typeface="Bookman Old Style" panose="02050604050505020204" pitchFamily="18" charset="0"/>
               </a:rPr>
             </a:br>
+            <a:r>
+              <a:rPr lang="ru-RU" sz="1800" dirty="0">
+                <a:latin typeface="Bookman Old Style" panose="02050604050505020204" pitchFamily="18" charset="0"/>
+              </a:rPr>
+              <a:t/>
+            </a:r>
             <a:br>
               <a:rPr lang="ru-RU" sz="1800" dirty="0">
                 <a:latin typeface="Bookman Old Style" panose="02050604050505020204" pitchFamily="18" charset="0"/>
@@ -6142,11 +6824,23 @@
           <a:lstStyle/>
           <a:p>
             <a:pPr algn="l"/>
+            <a:r>
+              <a:rPr lang="ru-RU" sz="1800" dirty="0">
+                <a:latin typeface="Bookman Old Style" panose="02050604050505020204" pitchFamily="18" charset="0"/>
+              </a:rPr>
+              <a:t/>
+            </a:r>
             <a:br>
               <a:rPr lang="ru-RU" sz="1800" dirty="0">
                 <a:latin typeface="Bookman Old Style" panose="02050604050505020204" pitchFamily="18" charset="0"/>
               </a:rPr>
             </a:br>
+            <a:r>
+              <a:rPr lang="ru-RU" sz="1800" dirty="0">
+                <a:latin typeface="Bookman Old Style" panose="02050604050505020204" pitchFamily="18" charset="0"/>
+              </a:rPr>
+              <a:t/>
+            </a:r>
             <a:br>
               <a:rPr lang="ru-RU" sz="1800" dirty="0">
                 <a:latin typeface="Bookman Old Style" panose="02050604050505020204" pitchFamily="18" charset="0"/>
@@ -6169,6 +6863,12 @@
                 <a:latin typeface="Bookman Old Style" panose="02050604050505020204" pitchFamily="18" charset="0"/>
               </a:rPr>
             </a:br>
+            <a:r>
+              <a:rPr lang="ru-RU" sz="1800" dirty="0">
+                <a:latin typeface="Bookman Old Style" panose="02050604050505020204" pitchFamily="18" charset="0"/>
+              </a:rPr>
+              <a:t/>
+            </a:r>
             <a:br>
               <a:rPr lang="ru-RU" sz="1800" dirty="0">
                 <a:latin typeface="Bookman Old Style" panose="02050604050505020204" pitchFamily="18" charset="0"/>
@@ -6185,6 +6885,12 @@
                 <a:latin typeface="Bookman Old Style" panose="02050604050505020204" pitchFamily="18" charset="0"/>
               </a:rPr>
             </a:br>
+            <a:r>
+              <a:rPr lang="ru-RU" sz="1800" dirty="0">
+                <a:latin typeface="Bookman Old Style" panose="02050604050505020204" pitchFamily="18" charset="0"/>
+              </a:rPr>
+              <a:t/>
+            </a:r>
             <a:br>
               <a:rPr lang="ru-RU" sz="1800" dirty="0">
                 <a:latin typeface="Bookman Old Style" panose="02050604050505020204" pitchFamily="18" charset="0"/>
@@ -6201,6 +6907,12 @@
                 <a:latin typeface="Bookman Old Style" panose="02050604050505020204" pitchFamily="18" charset="0"/>
               </a:rPr>
             </a:br>
+            <a:r>
+              <a:rPr lang="ru-RU" sz="1800" dirty="0">
+                <a:latin typeface="Bookman Old Style" panose="02050604050505020204" pitchFamily="18" charset="0"/>
+              </a:rPr>
+              <a:t/>
+            </a:r>
             <a:br>
               <a:rPr lang="ru-RU" sz="1800" dirty="0">
                 <a:latin typeface="Bookman Old Style" panose="02050604050505020204" pitchFamily="18" charset="0"/>
@@ -6508,8 +7220,8 @@
         </p:nvSpPr>
         <p:spPr>
           <a:xfrm>
-            <a:off x="119337" y="1412777"/>
-            <a:ext cx="11809312" cy="4455005"/>
+            <a:off x="4953372" y="1303196"/>
+            <a:ext cx="7248128" cy="3072478"/>
           </a:xfrm>
         </p:spPr>
         <p:txBody>
@@ -6540,12 +7252,26 @@
               </a:rPr>
               <a:t>).</a:t>
             </a:r>
+            <a:r>
+              <a:rPr lang="ru-RU" sz="1800" dirty="0">
+                <a:latin typeface="Bookman Old Style" panose="02050604050505020204" pitchFamily="18" charset="0"/>
+                <a:cs typeface="Times New Roman" panose="02020603050405020304" pitchFamily="18" charset="0"/>
+              </a:rPr>
+              <a:t/>
+            </a:r>
             <a:br>
               <a:rPr lang="ru-RU" sz="1800" dirty="0">
                 <a:latin typeface="Bookman Old Style" panose="02050604050505020204" pitchFamily="18" charset="0"/>
                 <a:cs typeface="Times New Roman" panose="02020603050405020304" pitchFamily="18" charset="0"/>
               </a:rPr>
             </a:br>
+            <a:r>
+              <a:rPr lang="en-US" sz="1800" dirty="0">
+                <a:latin typeface="Bookman Old Style" panose="02050604050505020204" pitchFamily="18" charset="0"/>
+                <a:cs typeface="Times New Roman" panose="02020603050405020304" pitchFamily="18" charset="0"/>
+              </a:rPr>
+              <a:t/>
+            </a:r>
             <a:br>
               <a:rPr lang="en-US" sz="1800" dirty="0">
                 <a:latin typeface="Bookman Old Style" panose="02050604050505020204" pitchFamily="18" charset="0"/>
@@ -6557,7 +7283,21 @@
                 <a:latin typeface="Bookman Old Style" panose="02050604050505020204" pitchFamily="18" charset="0"/>
                 <a:cs typeface="Times New Roman" panose="02020603050405020304" pitchFamily="18" charset="0"/>
               </a:rPr>
-              <a:t>Математические основы теории систем были сформулированы М.Месаровичем в 60х годах 20 века, исходя из предположения, что любую систему можно представить в виде отношения, определенного на семействе множеств.</a:t>
+              <a:t>Математические основы теории систем были сформулированы </a:t>
+            </a:r>
+            <a:r>
+              <a:rPr lang="ru-RU" sz="1800" b="1" dirty="0">
+                <a:latin typeface="Bookman Old Style" panose="02050604050505020204" pitchFamily="18" charset="0"/>
+                <a:cs typeface="Times New Roman" panose="02020603050405020304" pitchFamily="18" charset="0"/>
+              </a:rPr>
+              <a:t>М.Месаровичем</a:t>
+            </a:r>
+            <a:r>
+              <a:rPr lang="ru-RU" sz="1800" dirty="0">
+                <a:latin typeface="Bookman Old Style" panose="02050604050505020204" pitchFamily="18" charset="0"/>
+                <a:cs typeface="Times New Roman" panose="02020603050405020304" pitchFamily="18" charset="0"/>
+              </a:rPr>
+              <a:t> в 60х годах 20 века, исходя из предположения, что любую систему можно представить в виде отношения, определенного на семействе множеств.</a:t>
             </a:r>
             <a:br>
               <a:rPr lang="ru-RU" sz="1800" dirty="0">
@@ -6565,46 +7305,19 @@
                 <a:cs typeface="Times New Roman" panose="02020603050405020304" pitchFamily="18" charset="0"/>
               </a:rPr>
             </a:br>
-            <a:br>
-              <a:rPr lang="ru-RU" sz="1800" dirty="0">
+            <a:r>
+              <a:rPr lang="ru-RU" sz="1800" dirty="0" smtClean="0">
                 <a:latin typeface="Bookman Old Style" panose="02050604050505020204" pitchFamily="18" charset="0"/>
                 <a:cs typeface="Times New Roman" panose="02020603050405020304" pitchFamily="18" charset="0"/>
               </a:rPr>
-            </a:br>
+              <a:t>системах</a:t>
+            </a:r>
             <a:r>
               <a:rPr lang="ru-RU" sz="1800" dirty="0">
                 <a:latin typeface="Bookman Old Style" panose="02050604050505020204" pitchFamily="18" charset="0"/>
                 <a:cs typeface="Times New Roman" panose="02020603050405020304" pitchFamily="18" charset="0"/>
               </a:rPr>
-              <a:t>Из других терминов, имеющих сходное содержание, получили распространение: "</a:t>
-            </a:r>
-            <a:r>
-              <a:rPr lang="ru-RU" sz="1800" b="1" dirty="0">
-                <a:latin typeface="Bookman Old Style" panose="02050604050505020204" pitchFamily="18" charset="0"/>
-                <a:cs typeface="Times New Roman" panose="02020603050405020304" pitchFamily="18" charset="0"/>
-              </a:rPr>
-              <a:t>системный подход</a:t>
-            </a:r>
-            <a:r>
-              <a:rPr lang="ru-RU" sz="1800" dirty="0">
-                <a:latin typeface="Bookman Old Style" panose="02050604050505020204" pitchFamily="18" charset="0"/>
-                <a:cs typeface="Times New Roman" panose="02020603050405020304" pitchFamily="18" charset="0"/>
-              </a:rPr>
-              <a:t>" и "</a:t>
-            </a:r>
-            <a:r>
-              <a:rPr lang="ru-RU" sz="1800" b="1" dirty="0" err="1">
-                <a:latin typeface="Bookman Old Style" panose="02050604050505020204" pitchFamily="18" charset="0"/>
-                <a:cs typeface="Times New Roman" panose="02020603050405020304" pitchFamily="18" charset="0"/>
-              </a:rPr>
-              <a:t>системология</a:t>
-            </a:r>
-            <a:r>
-              <a:rPr lang="ru-RU" sz="1800" dirty="0">
-                <a:latin typeface="Bookman Old Style" panose="02050604050505020204" pitchFamily="18" charset="0"/>
-                <a:cs typeface="Times New Roman" panose="02020603050405020304" pitchFamily="18" charset="0"/>
-              </a:rPr>
-              <a:t>". Первый из них отражает наметившуюся в современном мире тенденцию изучения явлений во всей полноте и взаимосвязи с другими явлениями, т.е. на основе наиболее общих принципов теории систем. Второй применяется для обозначения системной методологии при анализе и синтезе систем, а также для обозначения науки о системах. </a:t>
+              <a:t>. </a:t>
             </a:r>
           </a:p>
         </p:txBody>
@@ -6842,6 +7555,146 @@
             <a:endParaRPr lang="ru-RU" sz="1500" dirty="0">
               <a:latin typeface="Bookman Old Style" panose="02050604050505020204" pitchFamily="18" charset="0"/>
             </a:endParaRPr>
+          </a:p>
+        </p:txBody>
+      </p:sp>
+      <p:pic>
+        <p:nvPicPr>
+          <p:cNvPr id="2050" name="Picture 2" descr="Михайло Месарович | Системная экономика"/>
+          <p:cNvPicPr>
+            <a:picLocks noChangeAspect="1" noChangeArrowheads="1"/>
+          </p:cNvPicPr>
+          <p:nvPr/>
+        </p:nvPicPr>
+        <p:blipFill>
+          <a:blip r:embed="rId2">
+            <a:extLst>
+              <a:ext uri="{28A0092B-C50C-407E-A947-70E740481C1C}">
+                <a14:useLocalDpi xmlns:a14="http://schemas.microsoft.com/office/drawing/2010/main" val="0"/>
+              </a:ext>
+            </a:extLst>
+          </a:blip>
+          <a:srcRect/>
+          <a:stretch>
+            <a:fillRect/>
+          </a:stretch>
+        </p:blipFill>
+        <p:spPr bwMode="auto">
+          <a:xfrm>
+            <a:off x="313581" y="995010"/>
+            <a:ext cx="4486275" cy="3095625"/>
+          </a:xfrm>
+          <a:prstGeom prst="rect">
+            <a:avLst/>
+          </a:prstGeom>
+          <a:noFill/>
+          <a:extLst>
+            <a:ext uri="{909E8E84-426E-40DD-AFC4-6F175D3DCCD1}">
+              <a14:hiddenFill xmlns:a14="http://schemas.microsoft.com/office/drawing/2010/main">
+                <a:solidFill>
+                  <a:srgbClr val="FFFFFF"/>
+                </a:solidFill>
+              </a14:hiddenFill>
+            </a:ext>
+          </a:extLst>
+        </p:spPr>
+      </p:pic>
+      <p:sp>
+        <p:nvSpPr>
+          <p:cNvPr id="3" name="Прямоугольник 2"/>
+          <p:cNvSpPr/>
+          <p:nvPr/>
+        </p:nvSpPr>
+        <p:spPr>
+          <a:xfrm>
+            <a:off x="263352" y="4842158"/>
+            <a:ext cx="11305256" cy="1477328"/>
+          </a:xfrm>
+          <a:prstGeom prst="rect">
+            <a:avLst/>
+          </a:prstGeom>
+        </p:spPr>
+        <p:txBody>
+          <a:bodyPr wrap="square">
+            <a:spAutoFit/>
+          </a:bodyPr>
+          <a:lstStyle/>
+          <a:p>
+            <a:r>
+              <a:rPr lang="ru-RU" dirty="0" smtClean="0">
+                <a:latin typeface="Bookman Old Style" panose="02050604050505020204" pitchFamily="18" charset="0"/>
+                <a:cs typeface="Times New Roman" panose="02020603050405020304" pitchFamily="18" charset="0"/>
+              </a:rPr>
+              <a:t>Из </a:t>
+            </a:r>
+            <a:r>
+              <a:rPr lang="ru-RU" dirty="0">
+                <a:latin typeface="Bookman Old Style" panose="02050604050505020204" pitchFamily="18" charset="0"/>
+                <a:cs typeface="Times New Roman" panose="02020603050405020304" pitchFamily="18" charset="0"/>
+              </a:rPr>
+              <a:t>других терминов, имеющих сходное содержание, получили распространение: "</a:t>
+            </a:r>
+            <a:r>
+              <a:rPr lang="ru-RU" b="1" dirty="0">
+                <a:latin typeface="Bookman Old Style" panose="02050604050505020204" pitchFamily="18" charset="0"/>
+                <a:cs typeface="Times New Roman" panose="02020603050405020304" pitchFamily="18" charset="0"/>
+              </a:rPr>
+              <a:t>системный подход</a:t>
+            </a:r>
+            <a:r>
+              <a:rPr lang="ru-RU" dirty="0">
+                <a:latin typeface="Bookman Old Style" panose="02050604050505020204" pitchFamily="18" charset="0"/>
+                <a:cs typeface="Times New Roman" panose="02020603050405020304" pitchFamily="18" charset="0"/>
+              </a:rPr>
+              <a:t>" и "</a:t>
+            </a:r>
+            <a:r>
+              <a:rPr lang="ru-RU" b="1" dirty="0">
+                <a:latin typeface="Bookman Old Style" panose="02050604050505020204" pitchFamily="18" charset="0"/>
+                <a:cs typeface="Times New Roman" panose="02020603050405020304" pitchFamily="18" charset="0"/>
+              </a:rPr>
+              <a:t>системология</a:t>
+            </a:r>
+            <a:r>
+              <a:rPr lang="ru-RU" dirty="0">
+                <a:latin typeface="Bookman Old Style" panose="02050604050505020204" pitchFamily="18" charset="0"/>
+                <a:cs typeface="Times New Roman" panose="02020603050405020304" pitchFamily="18" charset="0"/>
+              </a:rPr>
+              <a:t>". Первый из них отражает наметившуюся в современном мире тенденцию изучения явлений во всей полноте и взаимосвязи с другими явлениями, т.е. на основе наиболее общих принципов теории систем. Второй применяется для обозначения системной методологии при анализе и синтезе систем, а также для обозначения науки о </a:t>
+            </a:r>
+            <a:endParaRPr lang="ru-RU" dirty="0"/>
+          </a:p>
+        </p:txBody>
+      </p:sp>
+      <p:sp>
+        <p:nvSpPr>
+          <p:cNvPr id="11" name="Прямоугольник 10"/>
+          <p:cNvSpPr/>
+          <p:nvPr/>
+        </p:nvSpPr>
+        <p:spPr>
+          <a:xfrm>
+            <a:off x="385589" y="4133058"/>
+            <a:ext cx="4342259" cy="369332"/>
+          </a:xfrm>
+          <a:prstGeom prst="rect">
+            <a:avLst/>
+          </a:prstGeom>
+        </p:spPr>
+        <p:txBody>
+          <a:bodyPr wrap="square">
+            <a:spAutoFit/>
+          </a:bodyPr>
+          <a:lstStyle/>
+          <a:p>
+            <a:r>
+              <a:rPr lang="ru-RU" dirty="0" smtClean="0">
+                <a:latin typeface="Bookman Old Style" panose="02050604050505020204" pitchFamily="18" charset="0"/>
+                <a:cs typeface="Times New Roman" panose="02020603050405020304" pitchFamily="18" charset="0"/>
+              </a:rPr>
+              <a:t>Рисунок – 1. Михайло Месарович</a:t>
+            </a:r>
+            <a:endParaRPr lang="ru-RU" dirty="0"/>
           </a:p>
         </p:txBody>
       </p:sp>
@@ -6887,7 +7740,7 @@
         </p:nvSpPr>
         <p:spPr>
           <a:xfrm>
-            <a:off x="119337" y="871819"/>
+            <a:off x="119336" y="995010"/>
             <a:ext cx="11809312" cy="5005453"/>
           </a:xfrm>
         </p:spPr>
@@ -6898,21 +7751,99 @@
           <a:lstStyle/>
           <a:p>
             <a:pPr algn="l"/>
+            <a:r>
+              <a:rPr lang="ru-RU" sz="1800" i="1" dirty="0" smtClean="0">
+                <a:latin typeface="Bookman Old Style" panose="02050604050505020204" pitchFamily="18" charset="0"/>
+              </a:rPr>
+              <a:t>Идея </a:t>
+            </a:r>
+            <a:r>
+              <a:rPr lang="ru-RU" sz="1800" i="1" dirty="0">
+                <a:latin typeface="Bookman Old Style" panose="02050604050505020204" pitchFamily="18" charset="0"/>
+              </a:rPr>
+              <a:t>1</a:t>
+            </a:r>
+            <a:r>
+              <a:rPr lang="ru-RU" sz="1800" dirty="0">
+                <a:latin typeface="Bookman Old Style" panose="02050604050505020204" pitchFamily="18" charset="0"/>
+              </a:rPr>
+              <a:t>. </a:t>
+            </a:r>
+            <a:r>
+              <a:rPr lang="ru-RU" sz="1800" i="1" dirty="0">
+                <a:latin typeface="Bookman Old Style" panose="02050604050505020204" pitchFamily="18" charset="0"/>
+              </a:rPr>
+              <a:t>При изучении сложного объекта главное внимание уделяется внешним связям объекта с другими системами, а не его детальной внутренней структуре, хотя последнее не исключается</a:t>
+            </a:r>
+            <a:r>
+              <a:rPr lang="ru-RU" sz="1800" dirty="0">
+                <a:latin typeface="Bookman Old Style" panose="02050604050505020204" pitchFamily="18" charset="0"/>
+              </a:rPr>
+              <a:t>. </a:t>
+            </a:r>
             <a:br>
               <a:rPr lang="ru-RU" sz="1800" dirty="0">
                 <a:latin typeface="Bookman Old Style" panose="02050604050505020204" pitchFamily="18" charset="0"/>
               </a:rPr>
             </a:br>
+            <a:r>
+              <a:rPr lang="ru-RU" sz="1800" dirty="0">
+                <a:latin typeface="Bookman Old Style" panose="02050604050505020204" pitchFamily="18" charset="0"/>
+              </a:rPr>
+              <a:t/>
+            </a:r>
             <a:br>
               <a:rPr lang="ru-RU" sz="1800" dirty="0">
                 <a:latin typeface="Bookman Old Style" panose="02050604050505020204" pitchFamily="18" charset="0"/>
               </a:rPr>
             </a:br>
             <a:r>
-              <a:rPr lang="ru-RU" sz="1800" i="1" dirty="0">
-                <a:latin typeface="Bookman Old Style" panose="02050604050505020204" pitchFamily="18" charset="0"/>
-              </a:rPr>
-              <a:t>Идея 1</a:t>
+              <a:rPr lang="ru-RU" sz="1800" dirty="0">
+                <a:latin typeface="Bookman Old Style" panose="02050604050505020204" pitchFamily="18" charset="0"/>
+              </a:rPr>
+              <a:t>Пусть на фирме возникла какая-то проблема, например уменьшился объем продаж, снизилась прибыль и т.п. Обычный путь решения проблемы состоит в поиске ее </a:t>
+            </a:r>
+            <a:r>
+              <a:rPr lang="ru-RU" sz="1800" b="1" dirty="0">
+                <a:latin typeface="Bookman Old Style" panose="02050604050505020204" pitchFamily="18" charset="0"/>
+              </a:rPr>
+              <a:t>причин</a:t>
+            </a:r>
+            <a:r>
+              <a:rPr lang="ru-RU" sz="1800" dirty="0">
+                <a:latin typeface="Bookman Old Style" panose="02050604050505020204" pitchFamily="18" charset="0"/>
+              </a:rPr>
+              <a:t> </a:t>
+            </a:r>
+            <a:r>
+              <a:rPr lang="ru-RU" sz="1800" b="1" dirty="0">
+                <a:latin typeface="Bookman Old Style" panose="02050604050505020204" pitchFamily="18" charset="0"/>
+              </a:rPr>
+              <a:t>внутри</a:t>
+            </a:r>
+            <a:r>
+              <a:rPr lang="ru-RU" sz="1800" dirty="0">
+                <a:latin typeface="Bookman Old Style" panose="02050604050505020204" pitchFamily="18" charset="0"/>
+              </a:rPr>
+              <a:t> фирмы: выполнение технологических предписаний, нарушение дисциплины, неправильное руководство и т.п. Но может оказаться, что </a:t>
+            </a:r>
+            <a:r>
+              <a:rPr lang="ru-RU" sz="1800" b="1" dirty="0">
+                <a:latin typeface="Bookman Old Style" panose="02050604050505020204" pitchFamily="18" charset="0"/>
+              </a:rPr>
+              <a:t>причины</a:t>
+            </a:r>
+            <a:r>
+              <a:rPr lang="ru-RU" sz="1800" dirty="0">
+                <a:latin typeface="Bookman Old Style" panose="02050604050505020204" pitchFamily="18" charset="0"/>
+              </a:rPr>
+              <a:t> неудачи </a:t>
+            </a:r>
+            <a:r>
+              <a:rPr lang="ru-RU" sz="1800" b="1" dirty="0">
+                <a:latin typeface="Bookman Old Style" panose="02050604050505020204" pitchFamily="18" charset="0"/>
+              </a:rPr>
+              <a:t>лежат вне фирмы</a:t>
             </a:r>
             <a:r>
               <a:rPr lang="ru-RU" sz="1800" dirty="0">
@@ -6920,39 +7851,57 @@
               </a:rPr>
               <a:t>. </a:t>
             </a:r>
-            <a:r>
-              <a:rPr lang="ru-RU" sz="1800" i="1" dirty="0">
-                <a:latin typeface="Bookman Old Style" panose="02050604050505020204" pitchFamily="18" charset="0"/>
-              </a:rPr>
-              <a:t>При изучении сложного объекта главное внимание уделяется внешним связям объекта с другими системами, а не его детальной внутренней структуре, хотя последнее не исключается</a:t>
-            </a:r>
-            <a:r>
-              <a:rPr lang="ru-RU" sz="1800" dirty="0">
-                <a:latin typeface="Bookman Old Style" panose="02050604050505020204" pitchFamily="18" charset="0"/>
-              </a:rPr>
-              <a:t>. </a:t>
-            </a:r>
             <a:br>
               <a:rPr lang="ru-RU" sz="1800" dirty="0">
                 <a:latin typeface="Bookman Old Style" panose="02050604050505020204" pitchFamily="18" charset="0"/>
               </a:rPr>
             </a:br>
+            <a:r>
+              <a:rPr lang="ru-RU" sz="1800" dirty="0">
+                <a:latin typeface="Bookman Old Style" panose="02050604050505020204" pitchFamily="18" charset="0"/>
+              </a:rPr>
+              <a:t/>
+            </a:r>
             <a:br>
               <a:rPr lang="ru-RU" sz="1800" dirty="0">
                 <a:latin typeface="Bookman Old Style" panose="02050604050505020204" pitchFamily="18" charset="0"/>
               </a:rPr>
             </a:br>
             <a:r>
-              <a:rPr lang="ru-RU" sz="1800" dirty="0">
-                <a:latin typeface="Bookman Old Style" panose="02050604050505020204" pitchFamily="18" charset="0"/>
-              </a:rPr>
-              <a:t>Пусть на фирме возникла какая-то проблема, например уменьшился объем продаж, снизилась прибыль и т.п. Обычный путь решения проблемы состоит в поиске ее причин внутри фирмы: выполнение технологических предписаний, нарушение дисциплины, неправильное руководство и т.п. Но может оказаться, что причины неудачи лежат вне фирмы. </a:t>
+              <a:rPr lang="ru-RU" sz="1800" b="1" dirty="0">
+                <a:latin typeface="Bookman Old Style" panose="02050604050505020204" pitchFamily="18" charset="0"/>
+              </a:rPr>
+              <a:t>Системный подход </a:t>
+            </a:r>
+            <a:r>
+              <a:rPr lang="ru-RU" sz="1800" dirty="0">
+                <a:latin typeface="Bookman Old Style" panose="02050604050505020204" pitchFamily="18" charset="0"/>
+              </a:rPr>
+              <a:t>предусматривает </a:t>
+            </a:r>
+            <a:r>
+              <a:rPr lang="ru-RU" sz="1800" b="1" dirty="0">
+                <a:latin typeface="Bookman Old Style" panose="02050604050505020204" pitchFamily="18" charset="0"/>
+              </a:rPr>
+              <a:t>расширение исходной системы </a:t>
+            </a:r>
+            <a:r>
+              <a:rPr lang="ru-RU" sz="1800" dirty="0">
+                <a:latin typeface="Bookman Old Style" panose="02050604050505020204" pitchFamily="18" charset="0"/>
+              </a:rPr>
+              <a:t>(фирмы). В данном случае оно очевидно – рассмотреть рынок, т.е. включить в рассмотрение потребителей, фирмы – конкуренты, и т. п. </a:t>
             </a:r>
             <a:br>
               <a:rPr lang="ru-RU" sz="1800" dirty="0">
                 <a:latin typeface="Bookman Old Style" panose="02050604050505020204" pitchFamily="18" charset="0"/>
               </a:rPr>
             </a:br>
+            <a:r>
+              <a:rPr lang="ru-RU" sz="1800" dirty="0">
+                <a:latin typeface="Bookman Old Style" panose="02050604050505020204" pitchFamily="18" charset="0"/>
+              </a:rPr>
+              <a:t/>
+            </a:r>
             <a:br>
               <a:rPr lang="ru-RU" sz="1800" dirty="0">
                 <a:latin typeface="Bookman Old Style" panose="02050604050505020204" pitchFamily="18" charset="0"/>
@@ -6962,23 +7911,19 @@
               <a:rPr lang="ru-RU" sz="1800" dirty="0">
                 <a:latin typeface="Bookman Old Style" panose="02050604050505020204" pitchFamily="18" charset="0"/>
               </a:rPr>
-              <a:t>Системный подход предусматривает расширение исходной системы (фирмы). В данном случае оно очевидно – рассмотреть рынок, т.е. включить в рассмотрение потребителей, фирмы – конкуренты, и т. п. </a:t>
-            </a:r>
-            <a:br>
-              <a:rPr lang="ru-RU" sz="1800" dirty="0">
-                <a:latin typeface="Bookman Old Style" panose="02050604050505020204" pitchFamily="18" charset="0"/>
-              </a:rPr>
-            </a:br>
-            <a:br>
-              <a:rPr lang="ru-RU" sz="1800" dirty="0">
-                <a:latin typeface="Bookman Old Style" panose="02050604050505020204" pitchFamily="18" charset="0"/>
-              </a:rPr>
-            </a:br>
-            <a:r>
-              <a:rPr lang="ru-RU" sz="1800" dirty="0">
-                <a:latin typeface="Bookman Old Style" panose="02050604050505020204" pitchFamily="18" charset="0"/>
-              </a:rPr>
-              <a:t>Возможно, что этого окажется не достаточно и потребуется новое расширение системы, например рассмотрение всей экономической системы, так как причинами неудачи могут быть нестабильность финансовой ситуации, неправильная налоговая политика государства и т.п.</a:t>
+              <a:t>Возможно, что этого окажется не достаточно и потребуется новое расширение системы, например </a:t>
+            </a:r>
+            <a:r>
+              <a:rPr lang="ru-RU" sz="1800" b="1" dirty="0">
+                <a:latin typeface="Bookman Old Style" panose="02050604050505020204" pitchFamily="18" charset="0"/>
+              </a:rPr>
+              <a:t>рассмотрение всей экономической системы</a:t>
+            </a:r>
+            <a:r>
+              <a:rPr lang="ru-RU" sz="1800" dirty="0">
+                <a:latin typeface="Bookman Old Style" panose="02050604050505020204" pitchFamily="18" charset="0"/>
+              </a:rPr>
+              <a:t>, так как причинами неудачи могут быть нестабильность финансовой ситуации, неправильная налоговая политика государства и т.п.</a:t>
             </a:r>
             <a:br>
               <a:rPr lang="ru-RU" sz="1800" dirty="0">
@@ -7276,7 +8221,7 @@
         </p:nvSpPr>
         <p:spPr>
           <a:xfrm>
-            <a:off x="191344" y="1160051"/>
+            <a:off x="119336" y="1007813"/>
             <a:ext cx="11809312" cy="5005453"/>
           </a:xfrm>
         </p:spPr>
@@ -7287,21 +8232,17 @@
           <a:lstStyle/>
           <a:p>
             <a:pPr algn="l"/>
-            <a:br>
-              <a:rPr lang="ru-RU" sz="1800" dirty="0">
-                <a:latin typeface="Bookman Old Style" panose="02050604050505020204" pitchFamily="18" charset="0"/>
-              </a:rPr>
-            </a:br>
-            <a:br>
-              <a:rPr lang="ru-RU" sz="1800" dirty="0">
-                <a:latin typeface="Bookman Old Style" panose="02050604050505020204" pitchFamily="18" charset="0"/>
-              </a:rPr>
-            </a:br>
+            <a:r>
+              <a:rPr lang="ru-RU" sz="1800" i="1" dirty="0" smtClean="0">
+                <a:latin typeface="Bookman Old Style" panose="02050604050505020204" pitchFamily="18" charset="0"/>
+              </a:rPr>
+              <a:t>Идея </a:t>
+            </a:r>
             <a:r>
               <a:rPr lang="ru-RU" sz="1800" i="1" dirty="0">
                 <a:latin typeface="Bookman Old Style" panose="02050604050505020204" pitchFamily="18" charset="0"/>
               </a:rPr>
-              <a:t>Идея 2</a:t>
+              <a:t>2</a:t>
             </a:r>
             <a:r>
               <a:rPr lang="ru-RU" sz="1800" dirty="0">
@@ -7319,11 +8260,23 @@
               <a:rPr lang="ru-RU" sz="900" dirty="0"/>
               <a:t>. </a:t>
             </a:r>
+            <a:r>
+              <a:rPr lang="ru-RU" sz="1800" dirty="0">
+                <a:latin typeface="Bookman Old Style" panose="02050604050505020204" pitchFamily="18" charset="0"/>
+              </a:rPr>
+              <a:t/>
+            </a:r>
             <a:br>
               <a:rPr lang="ru-RU" sz="1800" dirty="0">
                 <a:latin typeface="Bookman Old Style" panose="02050604050505020204" pitchFamily="18" charset="0"/>
               </a:rPr>
             </a:br>
+            <a:r>
+              <a:rPr lang="ru-RU" sz="1800" dirty="0">
+                <a:latin typeface="Bookman Old Style" panose="02050604050505020204" pitchFamily="18" charset="0"/>
+              </a:rPr>
+              <a:t/>
+            </a:r>
             <a:br>
               <a:rPr lang="ru-RU" sz="1800" dirty="0">
                 <a:latin typeface="Bookman Old Style" panose="02050604050505020204" pitchFamily="18" charset="0"/>
@@ -7333,13 +8286,43 @@
               <a:rPr lang="ru-RU" sz="1800" dirty="0">
                 <a:latin typeface="Bookman Old Style" panose="02050604050505020204" pitchFamily="18" charset="0"/>
               </a:rPr>
-              <a:t>В жизни часто приходится сталкиваться с обратной ситуацией: есть структура, она наделяется какой-то функцией, при этом ожидаемые результаты трудно прогнозировать. Когда речь идет о технических системах, назначение которых заранее известно, такой подход не приводит к серьезным просчетам. </a:t>
+              <a:t>В жизни часто приходится сталкиваться с обратной ситуацией: есть </a:t>
+            </a:r>
+            <a:r>
+              <a:rPr lang="ru-RU" sz="1800" b="1" dirty="0">
+                <a:latin typeface="Bookman Old Style" panose="02050604050505020204" pitchFamily="18" charset="0"/>
+              </a:rPr>
+              <a:t>структура</a:t>
+            </a:r>
+            <a:r>
+              <a:rPr lang="ru-RU" sz="1800" dirty="0">
+                <a:latin typeface="Bookman Old Style" panose="02050604050505020204" pitchFamily="18" charset="0"/>
+              </a:rPr>
+              <a:t>, она наделяется какой-то </a:t>
+            </a:r>
+            <a:r>
+              <a:rPr lang="ru-RU" sz="1800" b="1" dirty="0">
+                <a:latin typeface="Bookman Old Style" panose="02050604050505020204" pitchFamily="18" charset="0"/>
+              </a:rPr>
+              <a:t>функцией</a:t>
+            </a:r>
+            <a:r>
+              <a:rPr lang="ru-RU" sz="1800" dirty="0">
+                <a:latin typeface="Bookman Old Style" panose="02050604050505020204" pitchFamily="18" charset="0"/>
+              </a:rPr>
+              <a:t>, при этом ожидаемые результаты трудно прогнозировать. Когда речь идет о технических системах, назначение которых заранее известно, такой подход не приводит к серьезным просчетам. </a:t>
             </a:r>
             <a:br>
               <a:rPr lang="ru-RU" sz="1800" dirty="0">
                 <a:latin typeface="Bookman Old Style" panose="02050604050505020204" pitchFamily="18" charset="0"/>
               </a:rPr>
             </a:br>
+            <a:r>
+              <a:rPr lang="ru-RU" sz="1800" dirty="0">
+                <a:latin typeface="Bookman Old Style" panose="02050604050505020204" pitchFamily="18" charset="0"/>
+              </a:rPr>
+              <a:t/>
+            </a:r>
             <a:br>
               <a:rPr lang="ru-RU" sz="1800" dirty="0">
                 <a:latin typeface="Bookman Old Style" panose="02050604050505020204" pitchFamily="18" charset="0"/>
@@ -7349,23 +8332,95 @@
               <a:rPr lang="ru-RU" sz="1800" dirty="0">
                 <a:latin typeface="Bookman Old Style" panose="02050604050505020204" pitchFamily="18" charset="0"/>
               </a:rPr>
-              <a:t>Но когда мы имеем дело со сложными системами такими, как человек или организация людей, то традиционный подход может привести к значительным ошибкам. Дело в том, что назначение таких систем нам изначально точно не известно, и эта неопределенность создает дополнительные трудности в управлении ими. </a:t>
+              <a:t>Но когда мы имеем дело со </a:t>
+            </a:r>
+            <a:r>
+              <a:rPr lang="ru-RU" sz="1800" b="1" dirty="0">
+                <a:latin typeface="Bookman Old Style" panose="02050604050505020204" pitchFamily="18" charset="0"/>
+              </a:rPr>
+              <a:t>сложными системами </a:t>
+            </a:r>
+            <a:r>
+              <a:rPr lang="ru-RU" sz="1800" dirty="0">
+                <a:latin typeface="Bookman Old Style" panose="02050604050505020204" pitchFamily="18" charset="0"/>
+              </a:rPr>
+              <a:t>такими, как человек или организация людей, то традиционный подход может привести к значительным ошибкам. Дело в том, что назначение таких систем нам изначально точно не известно, и эта неопределенность создает дополнительные трудности в управлении ими. </a:t>
             </a:r>
             <a:br>
               <a:rPr lang="ru-RU" sz="1800" dirty="0">
                 <a:latin typeface="Bookman Old Style" panose="02050604050505020204" pitchFamily="18" charset="0"/>
               </a:rPr>
             </a:br>
+            <a:r>
+              <a:rPr lang="ru-RU" sz="1800" dirty="0">
+                <a:latin typeface="Bookman Old Style" panose="02050604050505020204" pitchFamily="18" charset="0"/>
+              </a:rPr>
+              <a:t/>
+            </a:r>
             <a:br>
               <a:rPr lang="ru-RU" sz="1800" dirty="0">
                 <a:latin typeface="Bookman Old Style" panose="02050604050505020204" pitchFamily="18" charset="0"/>
               </a:rPr>
             </a:br>
             <a:r>
-              <a:rPr lang="ru-RU" sz="1800" dirty="0">
-                <a:latin typeface="Bookman Old Style" panose="02050604050505020204" pitchFamily="18" charset="0"/>
-              </a:rPr>
-              <a:t>Системный анализ предлагает другой подход: есть цель (функция), какая нужна структура, чтобы достичь ее наилучшим образом. Такой подход позволяет вырабатывать оптимальные решения, исключая параллелизм и дублирование функций (мы не затрагиваем здесь социальные аспекты, проблему занятости, и т.п.; системный подход позволяет учесть также и эти ограничения).</a:t>
+              <a:rPr lang="ru-RU" sz="1800" b="1" dirty="0">
+                <a:latin typeface="Bookman Old Style" panose="02050604050505020204" pitchFamily="18" charset="0"/>
+              </a:rPr>
+              <a:t>Системный анализ </a:t>
+            </a:r>
+            <a:r>
+              <a:rPr lang="ru-RU" sz="1800" dirty="0">
+                <a:latin typeface="Bookman Old Style" panose="02050604050505020204" pitchFamily="18" charset="0"/>
+              </a:rPr>
+              <a:t>предлагает другой подход: есть </a:t>
+            </a:r>
+            <a:r>
+              <a:rPr lang="ru-RU" sz="1800" b="1" dirty="0">
+                <a:latin typeface="Bookman Old Style" panose="02050604050505020204" pitchFamily="18" charset="0"/>
+              </a:rPr>
+              <a:t>цель</a:t>
+            </a:r>
+            <a:r>
+              <a:rPr lang="ru-RU" sz="1800" dirty="0">
+                <a:latin typeface="Bookman Old Style" panose="02050604050505020204" pitchFamily="18" charset="0"/>
+              </a:rPr>
+              <a:t> (функция), какая нужна </a:t>
+            </a:r>
+            <a:r>
+              <a:rPr lang="ru-RU" sz="1800" b="1" dirty="0">
+                <a:latin typeface="Bookman Old Style" panose="02050604050505020204" pitchFamily="18" charset="0"/>
+              </a:rPr>
+              <a:t>структура</a:t>
+            </a:r>
+            <a:r>
+              <a:rPr lang="ru-RU" sz="1800" dirty="0">
+                <a:latin typeface="Bookman Old Style" panose="02050604050505020204" pitchFamily="18" charset="0"/>
+              </a:rPr>
+              <a:t>, чтобы достичь ее </a:t>
+            </a:r>
+            <a:r>
+              <a:rPr lang="ru-RU" sz="1800" b="1" dirty="0">
+                <a:latin typeface="Bookman Old Style" panose="02050604050505020204" pitchFamily="18" charset="0"/>
+              </a:rPr>
+              <a:t>наилучшим</a:t>
+            </a:r>
+            <a:r>
+              <a:rPr lang="ru-RU" sz="1800" dirty="0">
+                <a:latin typeface="Bookman Old Style" panose="02050604050505020204" pitchFamily="18" charset="0"/>
+              </a:rPr>
+              <a:t> образом. Такой подход позволяет вырабатывать </a:t>
+            </a:r>
+            <a:r>
+              <a:rPr lang="ru-RU" sz="1800" b="1" dirty="0">
+                <a:latin typeface="Bookman Old Style" panose="02050604050505020204" pitchFamily="18" charset="0"/>
+              </a:rPr>
+              <a:t>оптимальные</a:t>
+            </a:r>
+            <a:r>
+              <a:rPr lang="ru-RU" sz="1800" dirty="0">
+                <a:latin typeface="Bookman Old Style" panose="02050604050505020204" pitchFamily="18" charset="0"/>
+              </a:rPr>
+              <a:t> решения, исключая параллелизм и дублирование функций (мы не затрагиваем здесь социальные аспекты, проблему занятости, и т.п.; системный подход позволяет учесть также и эти ограничения).</a:t>
             </a:r>
           </a:p>
         </p:txBody>
@@ -7648,7 +8703,7 @@
         </p:nvSpPr>
         <p:spPr>
           <a:xfrm>
-            <a:off x="191344" y="1261352"/>
+            <a:off x="191344" y="901958"/>
             <a:ext cx="11809312" cy="3761116"/>
           </a:xfrm>
         </p:spPr>
@@ -7659,65 +8714,75 @@
           <a:lstStyle/>
           <a:p>
             <a:pPr algn="l"/>
+            <a:r>
+              <a:rPr lang="ru-RU" sz="1800" i="1" dirty="0" smtClean="0">
+                <a:latin typeface="Bookman Old Style" panose="02050604050505020204" pitchFamily="18" charset="0"/>
+              </a:rPr>
+              <a:t>Идея </a:t>
+            </a:r>
+            <a:r>
+              <a:rPr lang="ru-RU" sz="1800" i="1" dirty="0">
+                <a:latin typeface="Bookman Old Style" panose="02050604050505020204" pitchFamily="18" charset="0"/>
+              </a:rPr>
+              <a:t>3</a:t>
+            </a:r>
+            <a:r>
+              <a:rPr lang="ru-RU" sz="1800" dirty="0">
+                <a:latin typeface="Bookman Old Style" panose="02050604050505020204" pitchFamily="18" charset="0"/>
+              </a:rPr>
+              <a:t>. </a:t>
+            </a:r>
+            <a:r>
+              <a:rPr lang="ru-RU" sz="1800" i="1" dirty="0">
+                <a:latin typeface="Bookman Old Style" panose="02050604050505020204" pitchFamily="18" charset="0"/>
+              </a:rPr>
+              <a:t>При решении проблем, связанных с системами, следует сопоставлять необходимое и возможное, желаемое и достижимое, эффект и имеющиеся для этого ресурсы. Иными словами следует всегда учитывать, какую "цену" придется заплатить за получение требуемого результата. </a:t>
+            </a:r>
+            <a:r>
+              <a:rPr lang="ru-RU" sz="1800" dirty="0">
+                <a:latin typeface="Bookman Old Style" panose="02050604050505020204" pitchFamily="18" charset="0"/>
+              </a:rPr>
+              <a:t/>
+            </a:r>
             <a:br>
               <a:rPr lang="ru-RU" sz="1800" dirty="0">
                 <a:latin typeface="Bookman Old Style" panose="02050604050505020204" pitchFamily="18" charset="0"/>
               </a:rPr>
             </a:br>
+            <a:r>
+              <a:rPr lang="ru-RU" sz="1800" dirty="0">
+                <a:latin typeface="Bookman Old Style" panose="02050604050505020204" pitchFamily="18" charset="0"/>
+              </a:rPr>
+              <a:t/>
+            </a:r>
             <a:br>
               <a:rPr lang="ru-RU" sz="1800" dirty="0">
                 <a:latin typeface="Bookman Old Style" panose="02050604050505020204" pitchFamily="18" charset="0"/>
               </a:rPr>
             </a:br>
             <a:r>
-              <a:rPr lang="ru-RU" sz="1800" i="1" dirty="0">
-                <a:latin typeface="Bookman Old Style" panose="02050604050505020204" pitchFamily="18" charset="0"/>
-              </a:rPr>
-              <a:t>Идея 3</a:t>
-            </a:r>
-            <a:r>
-              <a:rPr lang="ru-RU" sz="1800" dirty="0">
-                <a:latin typeface="Bookman Old Style" panose="02050604050505020204" pitchFamily="18" charset="0"/>
-              </a:rPr>
-              <a:t>. </a:t>
-            </a:r>
-            <a:r>
-              <a:rPr lang="ru-RU" sz="1800" i="1" dirty="0">
-                <a:latin typeface="Bookman Old Style" panose="02050604050505020204" pitchFamily="18" charset="0"/>
-              </a:rPr>
-              <a:t>При решении проблем, связанных с системами, следует сопоставлять необходимое и возможное, желаемое и достижимое, эффект и имеющиеся для этого ресурсы. Иными словами следует всегда учитывать, какую "цену" придется заплатить за получение требуемого результата. </a:t>
+              <a:rPr lang="ru-RU" sz="1800" dirty="0" smtClean="0">
+                <a:latin typeface="Bookman Old Style" panose="02050604050505020204" pitchFamily="18" charset="0"/>
+              </a:rPr>
+              <a:t>Мы </a:t>
+            </a:r>
+            <a:r>
+              <a:rPr lang="ru-RU" sz="1800" dirty="0">
+                <a:latin typeface="Bookman Old Style" panose="02050604050505020204" pitchFamily="18" charset="0"/>
+              </a:rPr>
+              <a:t>все ставим различные цели и многого хотим, однако, если мы не оцениваем предварительно имеющиеся в наличии ресурсы: физические, интеллектуальные, материальные, энергетические, информационные, финансовые, временные и т.п., то мы не сможем реализовать наши желания и цели.</a:t>
             </a:r>
             <a:br>
               <a:rPr lang="ru-RU" sz="1800" dirty="0">
                 <a:latin typeface="Bookman Old Style" panose="02050604050505020204" pitchFamily="18" charset="0"/>
               </a:rPr>
             </a:br>
-            <a:br>
-              <a:rPr lang="ru-RU" sz="1800" dirty="0">
-                <a:latin typeface="Bookman Old Style" panose="02050604050505020204" pitchFamily="18" charset="0"/>
-              </a:rPr>
-            </a:br>
-            <a:br>
-              <a:rPr lang="ru-RU" sz="1800" dirty="0">
-                <a:latin typeface="Bookman Old Style" panose="02050604050505020204" pitchFamily="18" charset="0"/>
-              </a:rPr>
-            </a:br>
-            <a:br>
-              <a:rPr lang="ru-RU" sz="1800" dirty="0">
-                <a:latin typeface="Bookman Old Style" panose="02050604050505020204" pitchFamily="18" charset="0"/>
-              </a:rPr>
-            </a:br>
-            <a:r>
-              <a:rPr lang="ru-RU" sz="1800" dirty="0">
-                <a:latin typeface="Bookman Old Style" panose="02050604050505020204" pitchFamily="18" charset="0"/>
-              </a:rPr>
-              <a:t>Мы все ставим различные цели и многого хотим, однако, если мы не оцениваем предварительно имеющиеся в наличии ресурсы: физические, интеллектуальные, материальные, энергетические, информационные, финансовые, временные и т.п., то мы не сможем реализовать наши желания и цели.</a:t>
-            </a:r>
-            <a:br>
-              <a:rPr lang="ru-RU" sz="1800" dirty="0">
-                <a:latin typeface="Bookman Old Style" panose="02050604050505020204" pitchFamily="18" charset="0"/>
-              </a:rPr>
-            </a:br>
+            <a:r>
+              <a:rPr lang="ru-RU" sz="1800" dirty="0">
+                <a:latin typeface="Bookman Old Style" panose="02050604050505020204" pitchFamily="18" charset="0"/>
+              </a:rPr>
+              <a:t/>
+            </a:r>
             <a:br>
               <a:rPr lang="ru-RU" sz="1800" dirty="0">
                 <a:latin typeface="Bookman Old Style" panose="02050604050505020204" pitchFamily="18" charset="0"/>
@@ -8010,7 +9075,7 @@
         </p:nvSpPr>
         <p:spPr>
           <a:xfrm>
-            <a:off x="119336" y="1024749"/>
+            <a:off x="119336" y="822357"/>
             <a:ext cx="11809312" cy="5005453"/>
           </a:xfrm>
         </p:spPr>
@@ -8021,39 +9086,69 @@
           <a:lstStyle/>
           <a:p>
             <a:pPr algn="l"/>
+            <a:r>
+              <a:rPr lang="ru-RU" sz="1800" dirty="0">
+                <a:latin typeface="Bookman Old Style" panose="02050604050505020204" pitchFamily="18" charset="0"/>
+              </a:rPr>
+              <a:t/>
+            </a:r>
             <a:br>
               <a:rPr lang="ru-RU" sz="1800" dirty="0">
                 <a:latin typeface="Bookman Old Style" panose="02050604050505020204" pitchFamily="18" charset="0"/>
               </a:rPr>
             </a:br>
+            <a:r>
+              <a:rPr lang="ru-RU" sz="1800" i="1" dirty="0" smtClean="0">
+                <a:latin typeface="Bookman Old Style" panose="02050604050505020204" pitchFamily="18" charset="0"/>
+              </a:rPr>
+              <a:t>Идея </a:t>
+            </a:r>
+            <a:r>
+              <a:rPr lang="ru-RU" sz="1800" i="1" dirty="0">
+                <a:latin typeface="Bookman Old Style" panose="02050604050505020204" pitchFamily="18" charset="0"/>
+              </a:rPr>
+              <a:t>4</a:t>
+            </a:r>
+            <a:r>
+              <a:rPr lang="ru-RU" sz="1800" dirty="0">
+                <a:latin typeface="Bookman Old Style" panose="02050604050505020204" pitchFamily="18" charset="0"/>
+              </a:rPr>
+              <a:t>. </a:t>
+            </a:r>
+            <a:r>
+              <a:rPr lang="ru-RU" sz="1800" i="1" dirty="0">
+                <a:latin typeface="Bookman Old Style" panose="02050604050505020204" pitchFamily="18" charset="0"/>
+              </a:rPr>
+              <a:t>При принятии решения в системах следует учитывать последствия решения для всех систем, которые оно затрагивает. </a:t>
+            </a:r>
+            <a:r>
+              <a:rPr lang="ru-RU" sz="1800" dirty="0">
+                <a:latin typeface="Bookman Old Style" panose="02050604050505020204" pitchFamily="18" charset="0"/>
+              </a:rPr>
+              <a:t/>
+            </a:r>
             <a:br>
               <a:rPr lang="ru-RU" sz="1800" dirty="0">
                 <a:latin typeface="Bookman Old Style" panose="02050604050505020204" pitchFamily="18" charset="0"/>
               </a:rPr>
             </a:br>
             <a:r>
-              <a:rPr lang="ru-RU" sz="1800" i="1" dirty="0">
-                <a:latin typeface="Bookman Old Style" panose="02050604050505020204" pitchFamily="18" charset="0"/>
-              </a:rPr>
-              <a:t>Идея 4</a:t>
-            </a:r>
-            <a:r>
-              <a:rPr lang="ru-RU" sz="1800" dirty="0">
-                <a:latin typeface="Bookman Old Style" panose="02050604050505020204" pitchFamily="18" charset="0"/>
-              </a:rPr>
-              <a:t>. </a:t>
-            </a:r>
-            <a:r>
-              <a:rPr lang="ru-RU" sz="1800" i="1" dirty="0">
-                <a:latin typeface="Bookman Old Style" panose="02050604050505020204" pitchFamily="18" charset="0"/>
-              </a:rPr>
-              <a:t>При принятии решения в системах следует учитывать последствия решения для всех систем, которые оно затрагивает. </a:t>
+              <a:rPr lang="ru-RU" sz="1800" dirty="0">
+                <a:latin typeface="Bookman Old Style" panose="02050604050505020204" pitchFamily="18" charset="0"/>
+              </a:rPr>
+              <a:t/>
             </a:r>
             <a:br>
               <a:rPr lang="ru-RU" sz="1800" dirty="0">
                 <a:latin typeface="Bookman Old Style" panose="02050604050505020204" pitchFamily="18" charset="0"/>
               </a:rPr>
             </a:br>
+            <a:r>
+              <a:rPr lang="ru-RU" sz="1800" dirty="0">
+                <a:latin typeface="Bookman Old Style" panose="02050604050505020204" pitchFamily="18" charset="0"/>
+              </a:rPr>
+              <a:t>На практике часто наблюдается иная картина; кажется, что нет ничего легче, как принять решение на любом уровне, при этом рассуждают так: а зачем считаться с интересами других, если мне этого не хочется? </a:t>
+            </a:r>
             <a:br>
               <a:rPr lang="ru-RU" sz="1800" dirty="0">
                 <a:latin typeface="Bookman Old Style" panose="02050604050505020204" pitchFamily="18" charset="0"/>
@@ -8063,13 +9158,19 @@
               <a:rPr lang="ru-RU" sz="1800" dirty="0">
                 <a:latin typeface="Bookman Old Style" panose="02050604050505020204" pitchFamily="18" charset="0"/>
               </a:rPr>
-              <a:t>На практике часто наблюдается иная картина; кажется, что нет ничего легче, как принять решение на любом уровне, при этом рассуждают так: а зачем считаться с интересами других, если мне этого не хочется? </a:t>
+              <a:t/>
             </a:r>
             <a:br>
               <a:rPr lang="ru-RU" sz="1800" dirty="0">
                 <a:latin typeface="Bookman Old Style" panose="02050604050505020204" pitchFamily="18" charset="0"/>
               </a:rPr>
             </a:br>
+            <a:r>
+              <a:rPr lang="ru-RU" sz="1800" dirty="0">
+                <a:latin typeface="Bookman Old Style" panose="02050604050505020204" pitchFamily="18" charset="0"/>
+              </a:rPr>
+              <a:t>Однако при реализации такого решения системы, интересы которых не учтены, начинают сопротивляться этому решению, и последнее не выполняется, причем последствия оказываются плачевными для того, кто принял решение. </a:t>
+            </a:r>
             <a:br>
               <a:rPr lang="ru-RU" sz="1800" dirty="0">
                 <a:latin typeface="Bookman Old Style" panose="02050604050505020204" pitchFamily="18" charset="0"/>
@@ -8079,13 +9180,19 @@
               <a:rPr lang="ru-RU" sz="1800" dirty="0">
                 <a:latin typeface="Bookman Old Style" panose="02050604050505020204" pitchFamily="18" charset="0"/>
               </a:rPr>
-              <a:t>Однако при реализации такого решения системы, интересы которых не учтены, начинают сопротивляться этому решению, и последнее не выполняется, причем последствия оказываются плачевными для того, кто принял решение. </a:t>
+              <a:t/>
             </a:r>
             <a:br>
               <a:rPr lang="ru-RU" sz="1800" dirty="0">
                 <a:latin typeface="Bookman Old Style" panose="02050604050505020204" pitchFamily="18" charset="0"/>
               </a:rPr>
             </a:br>
+            <a:r>
+              <a:rPr lang="ru-RU" sz="1800" dirty="0">
+                <a:latin typeface="Bookman Old Style" panose="02050604050505020204" pitchFamily="18" charset="0"/>
+              </a:rPr>
+              <a:t>Системный подход предусматривает учет различных интересов и привлечение других систем к выработке решения, что позволяет получить наилучшее решение для большой системы и одновременно наилучшие возможные решения для составляющих систем. </a:t>
+            </a:r>
             <a:br>
               <a:rPr lang="ru-RU" sz="1800" dirty="0">
                 <a:latin typeface="Bookman Old Style" panose="02050604050505020204" pitchFamily="18" charset="0"/>
@@ -8095,13 +9202,8 @@
               <a:rPr lang="ru-RU" sz="1800" dirty="0">
                 <a:latin typeface="Bookman Old Style" panose="02050604050505020204" pitchFamily="18" charset="0"/>
               </a:rPr>
-              <a:t>Системный подход предусматривает учет различных интересов и привлечение других систем к выработке решения, что позволяет получить наилучшее решение для большой системы и одновременно наилучшие возможные решения для составляющих систем. </a:t>
-            </a:r>
-            <a:br>
-              <a:rPr lang="ru-RU" sz="1800" dirty="0">
-                <a:latin typeface="Bookman Old Style" panose="02050604050505020204" pitchFamily="18" charset="0"/>
-              </a:rPr>
-            </a:br>
+              <a:t/>
+            </a:r>
             <a:br>
               <a:rPr lang="ru-RU" sz="1800" dirty="0">
                 <a:latin typeface="Bookman Old Style" panose="02050604050505020204" pitchFamily="18" charset="0"/>
@@ -8124,7 +9226,7 @@
         </p:nvSpPr>
         <p:spPr>
           <a:xfrm>
-            <a:off x="1524000" y="262917"/>
+            <a:off x="1524000" y="121862"/>
             <a:ext cx="9144000" cy="415498"/>
           </a:xfrm>
           <a:prstGeom prst="rect">
@@ -8156,7 +9258,7 @@
         </p:nvCxnSpPr>
         <p:spPr>
           <a:xfrm>
-            <a:off x="0" y="836712"/>
+            <a:off x="0" y="679858"/>
             <a:ext cx="12192000" cy="0"/>
           </a:xfrm>
           <a:prstGeom prst="line">
@@ -8396,7 +9498,7 @@
             </p:nvSpPr>
             <p:spPr>
               <a:xfrm>
-                <a:off x="20714" y="995010"/>
+                <a:off x="0" y="855797"/>
                 <a:ext cx="11809312" cy="5005453"/>
               </a:xfrm>
             </p:spPr>
@@ -8407,21 +9509,28 @@
               <a:lstStyle/>
               <a:p>
                 <a:pPr algn="l"/>
-                <a:br>
+                <a:r>
                   <a:rPr lang="ru-RU" sz="1800" dirty="0">
                     <a:latin typeface="Bookman Old Style" panose="02050604050505020204" pitchFamily="18" charset="0"/>
                   </a:rPr>
-                </a:br>
+                  <a:t/>
+                </a:r>
                 <a:br>
                   <a:rPr lang="ru-RU" sz="1800" dirty="0">
                     <a:latin typeface="Bookman Old Style" panose="02050604050505020204" pitchFamily="18" charset="0"/>
                   </a:rPr>
                 </a:br>
                 <a:r>
+                  <a:rPr lang="ru-RU" sz="1800" dirty="0" smtClean="0">
+                    <a:latin typeface="Bookman Old Style" panose="02050604050505020204" pitchFamily="18" charset="0"/>
+                  </a:rPr>
+                  <a:t>Среди </a:t>
+                </a:r>
+                <a:r>
                   <a:rPr lang="ru-RU" sz="1800" dirty="0">
                     <a:latin typeface="Bookman Old Style" panose="02050604050505020204" pitchFamily="18" charset="0"/>
                   </a:rPr>
-                  <a:t>Среди задач, возникающих в связи с проектированием систем, важное место занимает проблема сочетания </a:t>
+                  <a:t>задач, возникающих в связи с проектированием систем, важное место занимает проблема сочетания </a:t>
                 </a:r>
                 <a:r>
                   <a:rPr lang="ru-RU" sz="1800" b="1" dirty="0">
@@ -8452,6 +9561,12 @@
                     <a:latin typeface="Bookman Old Style" panose="02050604050505020204" pitchFamily="18" charset="0"/>
                   </a:rPr>
                 </a:br>
+                <a:r>
+                  <a:rPr lang="ru-RU" sz="1800" dirty="0">
+                    <a:latin typeface="Bookman Old Style" panose="02050604050505020204" pitchFamily="18" charset="0"/>
+                  </a:rPr>
+                  <a:t/>
+                </a:r>
                 <a:br>
                   <a:rPr lang="ru-RU" sz="1800" dirty="0">
                     <a:latin typeface="Bookman Old Style" panose="02050604050505020204" pitchFamily="18" charset="0"/>
@@ -8468,6 +9583,12 @@
                     <a:latin typeface="Bookman Old Style" panose="02050604050505020204" pitchFamily="18" charset="0"/>
                   </a:rPr>
                 </a:br>
+                <a:r>
+                  <a:rPr lang="ru-RU" sz="1800" dirty="0">
+                    <a:latin typeface="Bookman Old Style" panose="02050604050505020204" pitchFamily="18" charset="0"/>
+                  </a:rPr>
+                  <a:t/>
+                </a:r>
                 <a:br>
                   <a:rPr lang="ru-RU" sz="1800" dirty="0">
                     <a:latin typeface="Bookman Old Style" panose="02050604050505020204" pitchFamily="18" charset="0"/>
@@ -8484,6 +9605,12 @@
                     <a:latin typeface="Bookman Old Style" panose="02050604050505020204" pitchFamily="18" charset="0"/>
                   </a:rPr>
                 </a:br>
+                <a:r>
+                  <a:rPr lang="ru-RU" sz="1800" dirty="0">
+                    <a:latin typeface="Bookman Old Style" panose="02050604050505020204" pitchFamily="18" charset="0"/>
+                  </a:rPr>
+                  <a:t/>
+                </a:r>
                 <a:br>
                   <a:rPr lang="ru-RU" sz="1800" dirty="0">
                     <a:latin typeface="Bookman Old Style" panose="02050604050505020204" pitchFamily="18" charset="0"/>
@@ -8500,6 +9627,12 @@
                     <a:latin typeface="Bookman Old Style" panose="02050604050505020204" pitchFamily="18" charset="0"/>
                   </a:rPr>
                 </a:br>
+                <a:r>
+                  <a:rPr lang="ru-RU" sz="1800" dirty="0">
+                    <a:latin typeface="Bookman Old Style" panose="02050604050505020204" pitchFamily="18" charset="0"/>
+                  </a:rPr>
+                  <a:t/>
+                </a:r>
                 <a:br>
                   <a:rPr lang="ru-RU" sz="1800" dirty="0">
                     <a:latin typeface="Bookman Old Style" panose="02050604050505020204" pitchFamily="18" charset="0"/>
@@ -8683,13 +9816,13 @@
             </p:nvSpPr>
             <p:spPr>
               <a:xfrm>
-                <a:off x="20714" y="995010"/>
+                <a:off x="0" y="855797"/>
                 <a:ext cx="11809312" cy="5005453"/>
               </a:xfrm>
-              <a:blipFill>
+              <a:blipFill rotWithShape="0">
                 <a:blip r:embed="rId3"/>
                 <a:stretch>
-                  <a:fillRect l="-413" r="-877" b="-7795"/>
+                  <a:fillRect l="-413" r="-878" b="-5116"/>
                 </a:stretch>
               </a:blipFill>
             </p:spPr>
@@ -8949,7 +10082,7 @@
           <p:cNvPr id="3" name="Объект 2">
             <a:extLst>
               <a:ext uri="{FF2B5EF4-FFF2-40B4-BE49-F238E27FC236}">
-                <a16:creationId xmlns:a16="http://schemas.microsoft.com/office/drawing/2014/main" id="{4E289BF5-20D5-47B0-A808-4F0D690DE54B}"/>
+                <a16:creationId xmlns="" xmlns:a16="http://schemas.microsoft.com/office/drawing/2014/main" id="{4E289BF5-20D5-47B0-A808-4F0D690DE54B}"/>
               </a:ext>
             </a:extLst>
           </p:cNvPr>
@@ -8972,7 +10105,7 @@
           <a:graphicData uri="http://schemas.openxmlformats.org/presentationml/2006/ole">
             <mc:AlternateContent xmlns:mc="http://schemas.openxmlformats.org/markup-compatibility/2006">
               <mc:Choice xmlns:v="urn:schemas-microsoft-com:vml" Requires="v">
-                <p:oleObj spid="_x0000_s1027" name="Equation" r:id="rId4" imgW="914400" imgH="216000" progId="Equation.DSMT4">
+                <p:oleObj spid="_x0000_s1031" name="Equation" r:id="rId4" imgW="914400" imgH="216000" progId="Equation.DSMT4">
                   <p:embed/>
                 </p:oleObj>
               </mc:Choice>
@@ -9049,7 +10182,7 @@
         </p:nvSpPr>
         <p:spPr>
           <a:xfrm>
-            <a:off x="125253" y="1254010"/>
+            <a:off x="59668" y="995010"/>
             <a:ext cx="12072663" cy="3637300"/>
           </a:xfrm>
         </p:spPr>
@@ -9060,11 +10193,23 @@
           <a:lstStyle/>
           <a:p>
             <a:pPr algn="l"/>
+            <a:r>
+              <a:rPr lang="ru-RU" sz="1800" dirty="0">
+                <a:latin typeface="Bookman Old Style" panose="02050604050505020204" pitchFamily="18" charset="0"/>
+              </a:rPr>
+              <a:t/>
+            </a:r>
             <a:br>
               <a:rPr lang="ru-RU" sz="1800" dirty="0">
                 <a:latin typeface="Bookman Old Style" panose="02050604050505020204" pitchFamily="18" charset="0"/>
               </a:rPr>
             </a:br>
+            <a:r>
+              <a:rPr lang="ru-RU" sz="1800" dirty="0">
+                <a:latin typeface="Bookman Old Style" panose="02050604050505020204" pitchFamily="18" charset="0"/>
+              </a:rPr>
+              <a:t/>
+            </a:r>
             <a:br>
               <a:rPr lang="ru-RU" sz="1800" dirty="0">
                 <a:latin typeface="Bookman Old Style" panose="02050604050505020204" pitchFamily="18" charset="0"/>
@@ -9105,6 +10250,12 @@
                 <a:latin typeface="Bookman Old Style" panose="02050604050505020204" pitchFamily="18" charset="0"/>
               </a:rPr>
             </a:br>
+            <a:r>
+              <a:rPr lang="ru-RU" sz="1800" dirty="0">
+                <a:latin typeface="Bookman Old Style" panose="02050604050505020204" pitchFamily="18" charset="0"/>
+              </a:rPr>
+              <a:t/>
+            </a:r>
             <a:br>
               <a:rPr lang="ru-RU" sz="1800" dirty="0">
                 <a:latin typeface="Bookman Old Style" panose="02050604050505020204" pitchFamily="18" charset="0"/>
@@ -9121,6 +10272,12 @@
                 <a:latin typeface="Bookman Old Style" panose="02050604050505020204" pitchFamily="18" charset="0"/>
               </a:rPr>
             </a:br>
+            <a:r>
+              <a:rPr lang="ru-RU" sz="1800" dirty="0">
+                <a:latin typeface="Bookman Old Style" panose="02050604050505020204" pitchFamily="18" charset="0"/>
+              </a:rPr>
+              <a:t/>
+            </a:r>
             <a:br>
               <a:rPr lang="ru-RU" sz="1800" dirty="0">
                 <a:latin typeface="Bookman Old Style" panose="02050604050505020204" pitchFamily="18" charset="0"/>
@@ -9137,6 +10294,12 @@
                 <a:latin typeface="Bookman Old Style" panose="02050604050505020204" pitchFamily="18" charset="0"/>
               </a:rPr>
             </a:br>
+            <a:r>
+              <a:rPr lang="ru-RU" sz="1800" dirty="0">
+                <a:latin typeface="Bookman Old Style" panose="02050604050505020204" pitchFamily="18" charset="0"/>
+              </a:rPr>
+              <a:t/>
+            </a:r>
             <a:br>
               <a:rPr lang="ru-RU" sz="1800" dirty="0">
                 <a:latin typeface="Bookman Old Style" panose="02050604050505020204" pitchFamily="18" charset="0"/>
@@ -9455,7 +10618,7 @@
         </p:nvSpPr>
         <p:spPr>
           <a:xfrm>
-            <a:off x="119337" y="1595461"/>
+            <a:off x="119337" y="1628800"/>
             <a:ext cx="12072663" cy="3637300"/>
           </a:xfrm>
         </p:spPr>
@@ -9466,11 +10629,23 @@
           <a:lstStyle/>
           <a:p>
             <a:pPr algn="l"/>
+            <a:r>
+              <a:rPr lang="ru-RU" sz="1800" dirty="0">
+                <a:latin typeface="Bookman Old Style" panose="02050604050505020204" pitchFamily="18" charset="0"/>
+              </a:rPr>
+              <a:t/>
+            </a:r>
             <a:br>
               <a:rPr lang="ru-RU" sz="1800" dirty="0">
                 <a:latin typeface="Bookman Old Style" panose="02050604050505020204" pitchFamily="18" charset="0"/>
               </a:rPr>
             </a:br>
+            <a:r>
+              <a:rPr lang="ru-RU" sz="1800" dirty="0">
+                <a:latin typeface="Bookman Old Style" panose="02050604050505020204" pitchFamily="18" charset="0"/>
+              </a:rPr>
+              <a:t/>
+            </a:r>
             <a:br>
               <a:rPr lang="ru-RU" sz="1800" dirty="0">
                 <a:latin typeface="Bookman Old Style" panose="02050604050505020204" pitchFamily="18" charset="0"/>
@@ -9487,6 +10662,12 @@
                 <a:latin typeface="Bookman Old Style" panose="02050604050505020204" pitchFamily="18" charset="0"/>
               </a:rPr>
             </a:br>
+            <a:r>
+              <a:rPr lang="ru-RU" sz="1800" dirty="0">
+                <a:latin typeface="Bookman Old Style" panose="02050604050505020204" pitchFamily="18" charset="0"/>
+              </a:rPr>
+              <a:t/>
+            </a:r>
             <a:br>
               <a:rPr lang="ru-RU" sz="1800" dirty="0">
                 <a:latin typeface="Bookman Old Style" panose="02050604050505020204" pitchFamily="18" charset="0"/>
@@ -9503,6 +10684,12 @@
                 <a:latin typeface="Bookman Old Style" panose="02050604050505020204" pitchFamily="18" charset="0"/>
               </a:rPr>
             </a:br>
+            <a:r>
+              <a:rPr lang="ru-RU" sz="1800" dirty="0">
+                <a:latin typeface="Bookman Old Style" panose="02050604050505020204" pitchFamily="18" charset="0"/>
+              </a:rPr>
+              <a:t/>
+            </a:r>
             <a:br>
               <a:rPr lang="ru-RU" sz="1800" dirty="0">
                 <a:latin typeface="Bookman Old Style" panose="02050604050505020204" pitchFamily="18" charset="0"/>
@@ -9519,6 +10706,12 @@
                 <a:latin typeface="Bookman Old Style" panose="02050604050505020204" pitchFamily="18" charset="0"/>
               </a:rPr>
             </a:br>
+            <a:r>
+              <a:rPr lang="ru-RU" sz="1800" dirty="0">
+                <a:latin typeface="Bookman Old Style" panose="02050604050505020204" pitchFamily="18" charset="0"/>
+              </a:rPr>
+              <a:t/>
+            </a:r>
             <a:br>
               <a:rPr lang="ru-RU" sz="1800" dirty="0">
                 <a:latin typeface="Bookman Old Style" panose="02050604050505020204" pitchFamily="18" charset="0"/>
@@ -9535,6 +10728,12 @@
                 <a:latin typeface="Bookman Old Style" panose="02050604050505020204" pitchFamily="18" charset="0"/>
               </a:rPr>
             </a:br>
+            <a:r>
+              <a:rPr lang="ru-RU" sz="1800" dirty="0">
+                <a:latin typeface="Bookman Old Style" panose="02050604050505020204" pitchFamily="18" charset="0"/>
+              </a:rPr>
+              <a:t/>
+            </a:r>
             <a:br>
               <a:rPr lang="ru-RU" sz="1800" dirty="0">
                 <a:latin typeface="Bookman Old Style" panose="02050604050505020204" pitchFamily="18" charset="0"/>
@@ -9573,6 +10772,12 @@
                 <a:latin typeface="Bookman Old Style" panose="02050604050505020204" pitchFamily="18" charset="0"/>
               </a:rPr>
             </a:br>
+            <a:r>
+              <a:rPr lang="ru-RU" sz="1800" dirty="0">
+                <a:latin typeface="Bookman Old Style" panose="02050604050505020204" pitchFamily="18" charset="0"/>
+              </a:rPr>
+              <a:t/>
+            </a:r>
             <a:br>
               <a:rPr lang="ru-RU" sz="1800" dirty="0">
                 <a:latin typeface="Bookman Old Style" panose="02050604050505020204" pitchFamily="18" charset="0"/>
@@ -9589,6 +10794,12 @@
                 <a:latin typeface="Bookman Old Style" panose="02050604050505020204" pitchFamily="18" charset="0"/>
               </a:rPr>
             </a:br>
+            <a:r>
+              <a:rPr lang="ru-RU" sz="1800" dirty="0">
+                <a:latin typeface="Bookman Old Style" panose="02050604050505020204" pitchFamily="18" charset="0"/>
+              </a:rPr>
+              <a:t/>
+            </a:r>
             <a:br>
               <a:rPr lang="ru-RU" sz="1800" dirty="0">
                 <a:latin typeface="Bookman Old Style" panose="02050604050505020204" pitchFamily="18" charset="0"/>
@@ -10137,4 +11348,265 @@
   <a:objectDefaults/>
   <a:extraClrSchemeLst/>
 </a:theme>
+</file>
+
+<file path=ppt/theme/theme2.xml><?xml version="1.0" encoding="utf-8"?>
+<a:theme xmlns:a="http://schemas.openxmlformats.org/drawingml/2006/main" name="Тема Office">
+  <a:themeElements>
+    <a:clrScheme name="Стандартная">
+      <a:dk1>
+        <a:sysClr val="windowText" lastClr="000000"/>
+      </a:dk1>
+      <a:lt1>
+        <a:sysClr val="window" lastClr="FFFFFF"/>
+      </a:lt1>
+      <a:dk2>
+        <a:srgbClr val="44546A"/>
+      </a:dk2>
+      <a:lt2>
+        <a:srgbClr val="E7E6E6"/>
+      </a:lt2>
+      <a:accent1>
+        <a:srgbClr val="5B9BD5"/>
+      </a:accent1>
+      <a:accent2>
+        <a:srgbClr val="ED7D31"/>
+      </a:accent2>
+      <a:accent3>
+        <a:srgbClr val="A5A5A5"/>
+      </a:accent3>
+      <a:accent4>
+        <a:srgbClr val="FFC000"/>
+      </a:accent4>
+      <a:accent5>
+        <a:srgbClr val="4472C4"/>
+      </a:accent5>
+      <a:accent6>
+        <a:srgbClr val="70AD47"/>
+      </a:accent6>
+      <a:hlink>
+        <a:srgbClr val="0563C1"/>
+      </a:hlink>
+      <a:folHlink>
+        <a:srgbClr val="954F72"/>
+      </a:folHlink>
+    </a:clrScheme>
+    <a:fontScheme name="Стандартная">
+      <a:majorFont>
+        <a:latin typeface="Calibri Light" panose="020F0302020204030204"/>
+        <a:ea typeface=""/>
+        <a:cs typeface=""/>
+        <a:font script="Jpan" typeface="ＭＳ Ｐゴシック"/>
+        <a:font script="Hang" typeface="맑은 고딕"/>
+        <a:font script="Hans" typeface="宋体"/>
+        <a:font script="Hant" typeface="新細明體"/>
+        <a:font script="Arab" typeface="Times New Roman"/>
+        <a:font script="Hebr" typeface="Times New Roman"/>
+        <a:font script="Thai" typeface="Angsana New"/>
+        <a:font script="Ethi" typeface="Nyala"/>
+        <a:font script="Beng" typeface="Vrinda"/>
+        <a:font script="Gujr" typeface="Shruti"/>
+        <a:font script="Khmr" typeface="MoolBoran"/>
+        <a:font script="Knda" typeface="Tunga"/>
+        <a:font script="Guru" typeface="Raavi"/>
+        <a:font script="Cans" typeface="Euphemia"/>
+        <a:font script="Cher" typeface="Plantagenet Cherokee"/>
+        <a:font script="Yiii" typeface="Microsoft Yi Baiti"/>
+        <a:font script="Tibt" typeface="Microsoft Himalaya"/>
+        <a:font script="Thaa" typeface="MV Boli"/>
+        <a:font script="Deva" typeface="Mangal"/>
+        <a:font script="Telu" typeface="Gautami"/>
+        <a:font script="Taml" typeface="Latha"/>
+        <a:font script="Syrc" typeface="Estrangelo Edessa"/>
+        <a:font script="Orya" typeface="Kalinga"/>
+        <a:font script="Mlym" typeface="Kartika"/>
+        <a:font script="Laoo" typeface="DokChampa"/>
+        <a:font script="Sinh" typeface="Iskoola Pota"/>
+        <a:font script="Mong" typeface="Mongolian Baiti"/>
+        <a:font script="Viet" typeface="Times New Roman"/>
+        <a:font script="Uigh" typeface="Microsoft Uighur"/>
+        <a:font script="Geor" typeface="Sylfaen"/>
+      </a:majorFont>
+      <a:minorFont>
+        <a:latin typeface="Calibri" panose="020F0502020204030204"/>
+        <a:ea typeface=""/>
+        <a:cs typeface=""/>
+        <a:font script="Jpan" typeface="ＭＳ Ｐゴシック"/>
+        <a:font script="Hang" typeface="맑은 고딕"/>
+        <a:font script="Hans" typeface="宋体"/>
+        <a:font script="Hant" typeface="新細明體"/>
+        <a:font script="Arab" typeface="Arial"/>
+        <a:font script="Hebr" typeface="Arial"/>
+        <a:font script="Thai" typeface="Cordia New"/>
+        <a:font script="Ethi" typeface="Nyala"/>
+        <a:font script="Beng" typeface="Vrinda"/>
+        <a:font script="Gujr" typeface="Shruti"/>
+        <a:font script="Khmr" typeface="DaunPenh"/>
+        <a:font script="Knda" typeface="Tunga"/>
+        <a:font script="Guru" typeface="Raavi"/>
+        <a:font script="Cans" typeface="Euphemia"/>
+        <a:font script="Cher" typeface="Plantagenet Cherokee"/>
+        <a:font script="Yiii" typeface="Microsoft Yi Baiti"/>
+        <a:font script="Tibt" typeface="Microsoft Himalaya"/>
+        <a:font script="Thaa" typeface="MV Boli"/>
+        <a:font script="Deva" typeface="Mangal"/>
+        <a:font script="Telu" typeface="Gautami"/>
+        <a:font script="Taml" typeface="Latha"/>
+        <a:font script="Syrc" typeface="Estrangelo Edessa"/>
+        <a:font script="Orya" typeface="Kalinga"/>
+        <a:font script="Mlym" typeface="Kartika"/>
+        <a:font script="Laoo" typeface="DokChampa"/>
+        <a:font script="Sinh" typeface="Iskoola Pota"/>
+        <a:font script="Mong" typeface="Mongolian Baiti"/>
+        <a:font script="Viet" typeface="Arial"/>
+        <a:font script="Uigh" typeface="Microsoft Uighur"/>
+        <a:font script="Geor" typeface="Sylfaen"/>
+      </a:minorFont>
+    </a:fontScheme>
+    <a:fmtScheme name="Стандартная">
+      <a:fillStyleLst>
+        <a:solidFill>
+          <a:schemeClr val="phClr"/>
+        </a:solidFill>
+        <a:gradFill rotWithShape="1">
+          <a:gsLst>
+            <a:gs pos="0">
+              <a:schemeClr val="phClr">
+                <a:lumMod val="110000"/>
+                <a:satMod val="105000"/>
+                <a:tint val="67000"/>
+              </a:schemeClr>
+            </a:gs>
+            <a:gs pos="50000">
+              <a:schemeClr val="phClr">
+                <a:lumMod val="105000"/>
+                <a:satMod val="103000"/>
+                <a:tint val="73000"/>
+              </a:schemeClr>
+            </a:gs>
+            <a:gs pos="100000">
+              <a:schemeClr val="phClr">
+                <a:lumMod val="105000"/>
+                <a:satMod val="109000"/>
+                <a:tint val="81000"/>
+              </a:schemeClr>
+            </a:gs>
+          </a:gsLst>
+          <a:lin ang="5400000" scaled="0"/>
+        </a:gradFill>
+        <a:gradFill rotWithShape="1">
+          <a:gsLst>
+            <a:gs pos="0">
+              <a:schemeClr val="phClr">
+                <a:satMod val="103000"/>
+                <a:lumMod val="102000"/>
+                <a:tint val="94000"/>
+              </a:schemeClr>
+            </a:gs>
+            <a:gs pos="50000">
+              <a:schemeClr val="phClr">
+                <a:satMod val="110000"/>
+                <a:lumMod val="100000"/>
+                <a:shade val="100000"/>
+              </a:schemeClr>
+            </a:gs>
+            <a:gs pos="100000">
+              <a:schemeClr val="phClr">
+                <a:lumMod val="99000"/>
+                <a:satMod val="120000"/>
+                <a:shade val="78000"/>
+              </a:schemeClr>
+            </a:gs>
+          </a:gsLst>
+          <a:lin ang="5400000" scaled="0"/>
+        </a:gradFill>
+      </a:fillStyleLst>
+      <a:lnStyleLst>
+        <a:ln w="6350" cap="flat" cmpd="sng" algn="ctr">
+          <a:solidFill>
+            <a:schemeClr val="phClr"/>
+          </a:solidFill>
+          <a:prstDash val="solid"/>
+          <a:miter lim="800000"/>
+        </a:ln>
+        <a:ln w="12700" cap="flat" cmpd="sng" algn="ctr">
+          <a:solidFill>
+            <a:schemeClr val="phClr"/>
+          </a:solidFill>
+          <a:prstDash val="solid"/>
+          <a:miter lim="800000"/>
+        </a:ln>
+        <a:ln w="19050" cap="flat" cmpd="sng" algn="ctr">
+          <a:solidFill>
+            <a:schemeClr val="phClr"/>
+          </a:solidFill>
+          <a:prstDash val="solid"/>
+          <a:miter lim="800000"/>
+        </a:ln>
+      </a:lnStyleLst>
+      <a:effectStyleLst>
+        <a:effectStyle>
+          <a:effectLst/>
+        </a:effectStyle>
+        <a:effectStyle>
+          <a:effectLst/>
+        </a:effectStyle>
+        <a:effectStyle>
+          <a:effectLst>
+            <a:outerShdw blurRad="57150" dist="19050" dir="5400000" algn="ctr" rotWithShape="0">
+              <a:srgbClr val="000000">
+                <a:alpha val="63000"/>
+              </a:srgbClr>
+            </a:outerShdw>
+          </a:effectLst>
+        </a:effectStyle>
+      </a:effectStyleLst>
+      <a:bgFillStyleLst>
+        <a:solidFill>
+          <a:schemeClr val="phClr"/>
+        </a:solidFill>
+        <a:solidFill>
+          <a:schemeClr val="phClr">
+            <a:tint val="95000"/>
+            <a:satMod val="170000"/>
+          </a:schemeClr>
+        </a:solidFill>
+        <a:gradFill rotWithShape="1">
+          <a:gsLst>
+            <a:gs pos="0">
+              <a:schemeClr val="phClr">
+                <a:tint val="93000"/>
+                <a:satMod val="150000"/>
+                <a:shade val="98000"/>
+                <a:lumMod val="102000"/>
+              </a:schemeClr>
+            </a:gs>
+            <a:gs pos="50000">
+              <a:schemeClr val="phClr">
+                <a:tint val="98000"/>
+                <a:satMod val="130000"/>
+                <a:shade val="90000"/>
+                <a:lumMod val="103000"/>
+              </a:schemeClr>
+            </a:gs>
+            <a:gs pos="100000">
+              <a:schemeClr val="phClr">
+                <a:shade val="63000"/>
+                <a:satMod val="120000"/>
+              </a:schemeClr>
+            </a:gs>
+          </a:gsLst>
+          <a:lin ang="5400000" scaled="0"/>
+        </a:gradFill>
+      </a:bgFillStyleLst>
+    </a:fmtScheme>
+  </a:themeElements>
+  <a:objectDefaults/>
+  <a:extraClrSchemeLst/>
+  <a:extLst>
+    <a:ext uri="{05A4C25C-085E-4340-85A3-A5531E510DB2}">
+      <thm15:themeFamily xmlns:thm15="http://schemas.microsoft.com/office/thememl/2012/main" name="Office Theme" id="{62F939B6-93AF-4DB8-9C6B-D6C7DFDC589F}" vid="{4A3C46E8-61CC-4603-A589-7422A47A8E4A}"/>
+    </a:ext>
+  </a:extLst>
+</a:theme>
 </file>